--- a/covid19_food.pptx
+++ b/covid19_food.pptx
@@ -5,7 +5,7 @@
     <p:sldMasterId id="2147483648" r:id="rId1"/>
   </p:sldMasterIdLst>
   <p:notesMasterIdLst>
-    <p:notesMasterId r:id="rId7"/>
+    <p:notesMasterId r:id="rId8"/>
   </p:notesMasterIdLst>
   <p:sldIdLst>
     <p:sldId id="256" r:id="rId2"/>
@@ -13,6 +13,7 @@
     <p:sldId id="260" r:id="rId4"/>
     <p:sldId id="258" r:id="rId5"/>
     <p:sldId id="261" r:id="rId6"/>
+    <p:sldId id="262" r:id="rId7"/>
   </p:sldIdLst>
   <p:sldSz cx="12192000" cy="6858000"/>
   <p:notesSz cx="6858000" cy="9144000"/>
@@ -111,6 +112,11 @@
       </a:defRPr>
     </a:lvl9pPr>
   </p:defaultTextStyle>
+  <p:extLst>
+    <p:ext uri="{EFAFB233-063F-42B5-8137-9DF3F51BA10A}">
+      <p15:sldGuideLst xmlns:p15="http://schemas.microsoft.com/office/powerpoint/2012/main"/>
+    </p:ext>
+  </p:extLst>
 </p:presentation>
 </file>
 
@@ -622,6 +628,90 @@
     <p:extLst>
       <p:ext uri="{BB962C8B-B14F-4D97-AF65-F5344CB8AC3E}">
         <p14:creationId xmlns:p14="http://schemas.microsoft.com/office/powerpoint/2010/main" val="1191304494"/>
+      </p:ext>
+    </p:extLst>
+  </p:cSld>
+  <p:clrMapOvr>
+    <a:masterClrMapping/>
+  </p:clrMapOvr>
+</p:notes>
+</file>
+
+<file path=ppt/notesSlides/notesSlide3.xml><?xml version="1.0" encoding="utf-8"?>
+<p:notes xmlns:a="http://schemas.openxmlformats.org/drawingml/2006/main" xmlns:r="http://schemas.openxmlformats.org/officeDocument/2006/relationships" xmlns:p="http://schemas.openxmlformats.org/presentationml/2006/main">
+  <p:cSld>
+    <p:spTree>
+      <p:nvGrpSpPr>
+        <p:cNvPr id="1" name=""/>
+        <p:cNvGrpSpPr/>
+        <p:nvPr/>
+      </p:nvGrpSpPr>
+      <p:grpSpPr>
+        <a:xfrm>
+          <a:off x="0" y="0"/>
+          <a:ext cx="0" cy="0"/>
+          <a:chOff x="0" y="0"/>
+          <a:chExt cx="0" cy="0"/>
+        </a:xfrm>
+      </p:grpSpPr>
+      <p:sp>
+        <p:nvSpPr>
+          <p:cNvPr id="2" name="슬라이드 이미지 개체 틀 1"/>
+          <p:cNvSpPr>
+            <a:spLocks noGrp="1" noRot="1" noChangeAspect="1"/>
+          </p:cNvSpPr>
+          <p:nvPr>
+            <p:ph type="sldImg"/>
+          </p:nvPr>
+        </p:nvSpPr>
+        <p:spPr/>
+      </p:sp>
+      <p:sp>
+        <p:nvSpPr>
+          <p:cNvPr id="3" name="슬라이드 노트 개체 틀 2"/>
+          <p:cNvSpPr>
+            <a:spLocks noGrp="1"/>
+          </p:cNvSpPr>
+          <p:nvPr>
+            <p:ph type="body" idx="1"/>
+          </p:nvPr>
+        </p:nvSpPr>
+        <p:spPr/>
+        <p:txBody>
+          <a:bodyPr/>
+          <a:lstStyle/>
+          <a:p>
+            <a:endParaRPr kumimoji="1" lang="ko-KR" altLang="en-US" dirty="0"/>
+          </a:p>
+        </p:txBody>
+      </p:sp>
+      <p:sp>
+        <p:nvSpPr>
+          <p:cNvPr id="4" name="슬라이드 번호 개체 틀 3"/>
+          <p:cNvSpPr>
+            <a:spLocks noGrp="1"/>
+          </p:cNvSpPr>
+          <p:nvPr>
+            <p:ph type="sldNum" sz="quarter" idx="5"/>
+          </p:nvPr>
+        </p:nvSpPr>
+        <p:spPr/>
+        <p:txBody>
+          <a:bodyPr/>
+          <a:lstStyle/>
+          <a:p>
+            <a:fld id="{894C12E1-7966-7B44-B759-AAF993945674}" type="slidenum">
+              <a:rPr kumimoji="1" lang="ko-KR" altLang="en-US" smtClean="0"/>
+              <a:t>6</a:t>
+            </a:fld>
+            <a:endParaRPr kumimoji="1" lang="ko-KR" altLang="en-US"/>
+          </a:p>
+        </p:txBody>
+      </p:sp>
+    </p:spTree>
+    <p:extLst>
+      <p:ext uri="{BB962C8B-B14F-4D97-AF65-F5344CB8AC3E}">
+        <p14:creationId xmlns:p14="http://schemas.microsoft.com/office/powerpoint/2010/main" val="2516761974"/>
       </p:ext>
     </p:extLst>
   </p:cSld>
@@ -3967,7 +4057,7 @@
         <p:spPr>
           <a:xfrm>
             <a:off x="812431" y="2468630"/>
-            <a:ext cx="2821606" cy="461665"/>
+            <a:ext cx="2794355" cy="461665"/>
           </a:xfrm>
           <a:prstGeom prst="rect">
             <a:avLst/>
@@ -3990,7 +4080,7 @@
                 <a:latin typeface="BM DoHyeon OTF" panose="020B0600000101010101" pitchFamily="34" charset="-127"/>
                 <a:ea typeface="BM DoHyeon OTF" panose="020B0600000101010101" pitchFamily="34" charset="-127"/>
               </a:rPr>
-              <a:t>OFFLINE 4 TEAM</a:t>
+              <a:t>OFFLINE 2 TEAM</a:t>
             </a:r>
             <a:endParaRPr kumimoji="1" lang="ko-KR" altLang="en-US" sz="2400" dirty="0">
               <a:solidFill>
@@ -5217,6 +5307,64 @@
       </p:sp>
       <p:sp>
         <p:nvSpPr>
+          <p:cNvPr id="19" name="모서리가 둥근 직사각형 18">
+            <a:extLst>
+              <a:ext uri="{FF2B5EF4-FFF2-40B4-BE49-F238E27FC236}">
+                <a16:creationId xmlns:a16="http://schemas.microsoft.com/office/drawing/2014/main" id="{2439A4DA-99B8-D75E-7671-03B7955E2669}"/>
+              </a:ext>
+            </a:extLst>
+          </p:cNvPr>
+          <p:cNvSpPr/>
+          <p:nvPr/>
+        </p:nvSpPr>
+        <p:spPr>
+          <a:xfrm>
+            <a:off x="6458857" y="1175657"/>
+            <a:ext cx="5428343" cy="827314"/>
+          </a:xfrm>
+          <a:prstGeom prst="roundRect">
+            <a:avLst/>
+          </a:prstGeom>
+          <a:solidFill>
+            <a:schemeClr val="accent6">
+              <a:lumMod val="50000"/>
+            </a:schemeClr>
+          </a:solidFill>
+          <a:ln>
+            <a:solidFill>
+              <a:schemeClr val="accent6">
+                <a:lumMod val="50000"/>
+              </a:schemeClr>
+            </a:solidFill>
+          </a:ln>
+        </p:spPr>
+        <p:style>
+          <a:lnRef idx="2">
+            <a:schemeClr val="accent1">
+              <a:shade val="50000"/>
+            </a:schemeClr>
+          </a:lnRef>
+          <a:fillRef idx="1">
+            <a:schemeClr val="accent1"/>
+          </a:fillRef>
+          <a:effectRef idx="0">
+            <a:schemeClr val="accent1"/>
+          </a:effectRef>
+          <a:fontRef idx="minor">
+            <a:schemeClr val="lt1"/>
+          </a:fontRef>
+        </p:style>
+        <p:txBody>
+          <a:bodyPr rtlCol="0" anchor="ctr"/>
+          <a:lstStyle/>
+          <a:p>
+            <a:pPr algn="ctr"/>
+            <a:endParaRPr kumimoji="1" lang="ko-KR" altLang="en-US"/>
+          </a:p>
+        </p:txBody>
+      </p:sp>
+      <p:sp>
+        <p:nvSpPr>
           <p:cNvPr id="5" name="TextBox 4">
             <a:extLst>
               <a:ext uri="{FF2B5EF4-FFF2-40B4-BE49-F238E27FC236}">
@@ -5282,7 +5430,7 @@
         <p:spPr>
           <a:xfrm>
             <a:off x="509107" y="1008728"/>
-            <a:ext cx="9073318" cy="5382243"/>
+            <a:ext cx="5482591" cy="3901068"/>
           </a:xfrm>
           <a:prstGeom prst="rect">
             <a:avLst/>
@@ -5322,7 +5470,7 @@
                 <a:latin typeface="BM DoHyeon OTF" panose="020B0600000101010101" pitchFamily="34" charset="-127"/>
                 <a:ea typeface="BM DoHyeon OTF" panose="020B0600000101010101" pitchFamily="34" charset="-127"/>
               </a:rPr>
-              <a:t>서울시에서 창업을 한다면 어떤 업종이 유리한가</a:t>
+              <a:t>현재 음식점을 창업을 진행해도 괜찮은가</a:t>
             </a:r>
             <a:r>
               <a:rPr kumimoji="1" lang="en-US" altLang="ko-KR" sz="2000" dirty="0">
@@ -5335,76 +5483,6 @@
                 <a:ea typeface="BM DoHyeon OTF" panose="020B0600000101010101" pitchFamily="34" charset="-127"/>
               </a:rPr>
               <a:t>?</a:t>
-            </a:r>
-            <a:br>
-              <a:rPr kumimoji="1" lang="en-US" altLang="ko-KR" sz="2000" dirty="0">
-                <a:solidFill>
-                  <a:schemeClr val="accent6">
-                    <a:lumMod val="75000"/>
-                  </a:schemeClr>
-                </a:solidFill>
-                <a:latin typeface="BM DoHyeon OTF" panose="020B0600000101010101" pitchFamily="34" charset="-127"/>
-                <a:ea typeface="BM DoHyeon OTF" panose="020B0600000101010101" pitchFamily="34" charset="-127"/>
-              </a:rPr>
-            </a:br>
-            <a:r>
-              <a:rPr kumimoji="1" lang="en-US" altLang="ko-KR" sz="1600" dirty="0">
-                <a:solidFill>
-                  <a:schemeClr val="accent6">
-                    <a:lumMod val="75000"/>
-                  </a:schemeClr>
-                </a:solidFill>
-                <a:latin typeface="BM DoHyeon OTF" panose="020B0600000101010101" pitchFamily="34" charset="-127"/>
-                <a:ea typeface="BM DoHyeon OTF" panose="020B0600000101010101" pitchFamily="34" charset="-127"/>
-              </a:rPr>
-              <a:t>-</a:t>
-            </a:r>
-            <a:r>
-              <a:rPr kumimoji="1" lang="ko-KR" altLang="en-US" sz="1600" dirty="0">
-                <a:solidFill>
-                  <a:schemeClr val="accent6">
-                    <a:lumMod val="75000"/>
-                  </a:schemeClr>
-                </a:solidFill>
-                <a:latin typeface="BM DoHyeon OTF" panose="020B0600000101010101" pitchFamily="34" charset="-127"/>
-                <a:ea typeface="BM DoHyeon OTF" panose="020B0600000101010101" pitchFamily="34" charset="-127"/>
-              </a:rPr>
-              <a:t> 서울시에서 월별 음식점 관심도 확인</a:t>
-            </a:r>
-            <a:br>
-              <a:rPr kumimoji="1" lang="en-US" altLang="ko-KR" sz="1600" dirty="0">
-                <a:solidFill>
-                  <a:schemeClr val="accent6">
-                    <a:lumMod val="75000"/>
-                  </a:schemeClr>
-                </a:solidFill>
-                <a:latin typeface="BM DoHyeon OTF" panose="020B0600000101010101" pitchFamily="34" charset="-127"/>
-                <a:ea typeface="BM DoHyeon OTF" panose="020B0600000101010101" pitchFamily="34" charset="-127"/>
-              </a:rPr>
-            </a:br>
-            <a:r>
-              <a:rPr kumimoji="1" lang="en-US" altLang="ko-KR" sz="1600" dirty="0">
-                <a:solidFill>
-                  <a:schemeClr val="accent6">
-                    <a:lumMod val="75000"/>
-                  </a:schemeClr>
-                </a:solidFill>
-                <a:latin typeface="BM DoHyeon OTF" panose="020B0600000101010101" pitchFamily="34" charset="-127"/>
-                <a:ea typeface="BM DoHyeon OTF" panose="020B0600000101010101" pitchFamily="34" charset="-127"/>
-              </a:rPr>
-              <a:t>-</a:t>
-            </a:r>
-            <a:r>
-              <a:rPr kumimoji="1" lang="ko-KR" altLang="en-US" sz="1600" dirty="0">
-                <a:solidFill>
-                  <a:schemeClr val="accent6">
-                    <a:lumMod val="75000"/>
-                  </a:schemeClr>
-                </a:solidFill>
-                <a:latin typeface="BM DoHyeon OTF" panose="020B0600000101010101" pitchFamily="34" charset="-127"/>
-                <a:ea typeface="BM DoHyeon OTF" panose="020B0600000101010101" pitchFamily="34" charset="-127"/>
-              </a:rPr>
-              <a:t> 서울시에서 월별 음식점 카드 사용 비율 확인</a:t>
             </a:r>
             <a:br>
               <a:rPr kumimoji="1" lang="en-US" altLang="ko-KR" sz="2000" dirty="0">
@@ -5444,7 +5522,7 @@
                 <a:latin typeface="BM DoHyeon OTF" panose="020B0600000101010101" pitchFamily="34" charset="-127"/>
                 <a:ea typeface="BM DoHyeon OTF" panose="020B0600000101010101" pitchFamily="34" charset="-127"/>
               </a:rPr>
-              <a:t>특정 업종을 정했다면 주 타겟층을 어떻게 잡고 가는 것이 유리한가</a:t>
+              <a:t>어떤 음식점을 진행하는 것이 유리한가</a:t>
             </a:r>
             <a:r>
               <a:rPr kumimoji="1" lang="en-US" altLang="ko-KR" sz="2000" dirty="0">
@@ -5457,124 +5535,6 @@
                 <a:ea typeface="BM DoHyeon OTF" panose="020B0600000101010101" pitchFamily="34" charset="-127"/>
               </a:rPr>
               <a:t>?</a:t>
-            </a:r>
-            <a:br>
-              <a:rPr kumimoji="1" lang="en-US" altLang="ko-KR" sz="2000" dirty="0">
-                <a:solidFill>
-                  <a:schemeClr val="accent6">
-                    <a:lumMod val="75000"/>
-                  </a:schemeClr>
-                </a:solidFill>
-                <a:latin typeface="BM DoHyeon OTF" panose="020B0600000101010101" pitchFamily="34" charset="-127"/>
-                <a:ea typeface="BM DoHyeon OTF" panose="020B0600000101010101" pitchFamily="34" charset="-127"/>
-              </a:rPr>
-            </a:br>
-            <a:r>
-              <a:rPr kumimoji="1" lang="en-US" altLang="ko-KR" sz="1600" dirty="0">
-                <a:solidFill>
-                  <a:schemeClr val="accent6">
-                    <a:lumMod val="75000"/>
-                  </a:schemeClr>
-                </a:solidFill>
-                <a:latin typeface="BM DoHyeon OTF" panose="020B0600000101010101" pitchFamily="34" charset="-127"/>
-                <a:ea typeface="BM DoHyeon OTF" panose="020B0600000101010101" pitchFamily="34" charset="-127"/>
-              </a:rPr>
-              <a:t>-</a:t>
-            </a:r>
-            <a:r>
-              <a:rPr kumimoji="1" lang="ko-KR" altLang="en-US" sz="1600" dirty="0">
-                <a:solidFill>
-                  <a:schemeClr val="accent6">
-                    <a:lumMod val="75000"/>
-                  </a:schemeClr>
-                </a:solidFill>
-                <a:latin typeface="BM DoHyeon OTF" panose="020B0600000101010101" pitchFamily="34" charset="-127"/>
-                <a:ea typeface="BM DoHyeon OTF" panose="020B0600000101010101" pitchFamily="34" charset="-127"/>
-              </a:rPr>
-              <a:t> 특정 업종을 선택 후 카드 사용 비율을 성별</a:t>
-            </a:r>
-            <a:r>
-              <a:rPr kumimoji="1" lang="en-US" altLang="ko-KR" sz="1600" dirty="0">
-                <a:solidFill>
-                  <a:schemeClr val="accent6">
-                    <a:lumMod val="75000"/>
-                  </a:schemeClr>
-                </a:solidFill>
-                <a:latin typeface="BM DoHyeon OTF" panose="020B0600000101010101" pitchFamily="34" charset="-127"/>
-                <a:ea typeface="BM DoHyeon OTF" panose="020B0600000101010101" pitchFamily="34" charset="-127"/>
-              </a:rPr>
-              <a:t>,</a:t>
-            </a:r>
-            <a:r>
-              <a:rPr kumimoji="1" lang="ko-KR" altLang="en-US" sz="1600" dirty="0">
-                <a:solidFill>
-                  <a:schemeClr val="accent6">
-                    <a:lumMod val="75000"/>
-                  </a:schemeClr>
-                </a:solidFill>
-                <a:latin typeface="BM DoHyeon OTF" panose="020B0600000101010101" pitchFamily="34" charset="-127"/>
-                <a:ea typeface="BM DoHyeon OTF" panose="020B0600000101010101" pitchFamily="34" charset="-127"/>
-              </a:rPr>
-              <a:t> 연령별로 확인</a:t>
-            </a:r>
-            <a:br>
-              <a:rPr kumimoji="1" lang="en-US" altLang="ko-KR" sz="1600" dirty="0">
-                <a:solidFill>
-                  <a:schemeClr val="accent6">
-                    <a:lumMod val="75000"/>
-                  </a:schemeClr>
-                </a:solidFill>
-                <a:latin typeface="BM DoHyeon OTF" panose="020B0600000101010101" pitchFamily="34" charset="-127"/>
-                <a:ea typeface="BM DoHyeon OTF" panose="020B0600000101010101" pitchFamily="34" charset="-127"/>
-              </a:rPr>
-            </a:br>
-            <a:r>
-              <a:rPr kumimoji="1" lang="en-US" altLang="ko-KR" sz="1600" dirty="0">
-                <a:solidFill>
-                  <a:schemeClr val="accent6">
-                    <a:lumMod val="75000"/>
-                  </a:schemeClr>
-                </a:solidFill>
-                <a:latin typeface="BM DoHyeon OTF" panose="020B0600000101010101" pitchFamily="34" charset="-127"/>
-                <a:ea typeface="BM DoHyeon OTF" panose="020B0600000101010101" pitchFamily="34" charset="-127"/>
-              </a:rPr>
-              <a:t>-</a:t>
-            </a:r>
-            <a:r>
-              <a:rPr kumimoji="1" lang="ko-KR" altLang="en-US" sz="1600" dirty="0">
-                <a:solidFill>
-                  <a:schemeClr val="accent6">
-                    <a:lumMod val="75000"/>
-                  </a:schemeClr>
-                </a:solidFill>
-                <a:latin typeface="BM DoHyeon OTF" panose="020B0600000101010101" pitchFamily="34" charset="-127"/>
-                <a:ea typeface="BM DoHyeon OTF" panose="020B0600000101010101" pitchFamily="34" charset="-127"/>
-              </a:rPr>
-              <a:t> 반대로 특정 나이와 성별을 선택하게 되었을 때 </a:t>
-            </a:r>
-            <a:r>
-              <a:rPr kumimoji="1" lang="ko-KR" altLang="en-US" sz="1600" dirty="0" err="1">
-                <a:solidFill>
-                  <a:schemeClr val="accent6">
-                    <a:lumMod val="75000"/>
-                  </a:schemeClr>
-                </a:solidFill>
-                <a:latin typeface="BM DoHyeon OTF" panose="020B0600000101010101" pitchFamily="34" charset="-127"/>
-                <a:ea typeface="BM DoHyeon OTF" panose="020B0600000101010101" pitchFamily="34" charset="-127"/>
-              </a:rPr>
-              <a:t>어떤지</a:t>
-            </a:r>
-            <a:r>
-              <a:rPr kumimoji="1" lang="ko-KR" altLang="en-US" sz="1600" dirty="0">
-                <a:solidFill>
-                  <a:schemeClr val="accent6">
-                    <a:lumMod val="75000"/>
-                  </a:schemeClr>
-                </a:solidFill>
-                <a:latin typeface="BM DoHyeon OTF" panose="020B0600000101010101" pitchFamily="34" charset="-127"/>
-                <a:ea typeface="BM DoHyeon OTF" panose="020B0600000101010101" pitchFamily="34" charset="-127"/>
-              </a:rPr>
-              <a:t> 확인</a:t>
             </a:r>
             <a:endParaRPr kumimoji="1" lang="en-US" altLang="ko-KR" sz="1600" dirty="0">
               <a:solidFill>
@@ -5617,7 +5577,7 @@
                 <a:latin typeface="BM DoHyeon OTF" panose="020B0600000101010101" pitchFamily="34" charset="-127"/>
                 <a:ea typeface="BM DoHyeon OTF" panose="020B0600000101010101" pitchFamily="34" charset="-127"/>
               </a:rPr>
-              <a:t>코로나 </a:t>
+              <a:t>어떤 음식점별 주 고객은 누구인가</a:t>
             </a:r>
             <a:r>
               <a:rPr kumimoji="1" lang="en-US" altLang="ko-KR" sz="2000" dirty="0">
@@ -5629,8 +5589,33 @@
                 <a:latin typeface="BM DoHyeon OTF" panose="020B0600000101010101" pitchFamily="34" charset="-127"/>
                 <a:ea typeface="BM DoHyeon OTF" panose="020B0600000101010101" pitchFamily="34" charset="-127"/>
               </a:rPr>
-              <a:t>4</a:t>
-            </a:r>
+              <a:t>?</a:t>
+            </a:r>
+          </a:p>
+          <a:p>
+            <a:pPr marL="457200" indent="-457200">
+              <a:lnSpc>
+                <a:spcPct val="150000"/>
+              </a:lnSpc>
+              <a:buAutoNum type="arabicPeriod"/>
+            </a:pPr>
+            <a:endParaRPr kumimoji="1" lang="en-US" altLang="ko-KR" sz="2000" dirty="0">
+              <a:solidFill>
+                <a:schemeClr val="accent6">
+                  <a:lumMod val="75000"/>
+                </a:schemeClr>
+              </a:solidFill>
+              <a:latin typeface="BM DoHyeon OTF" panose="020B0600000101010101" pitchFamily="34" charset="-127"/>
+              <a:ea typeface="BM DoHyeon OTF" panose="020B0600000101010101" pitchFamily="34" charset="-127"/>
+            </a:endParaRPr>
+          </a:p>
+          <a:p>
+            <a:pPr marL="457200" indent="-457200">
+              <a:lnSpc>
+                <a:spcPct val="150000"/>
+              </a:lnSpc>
+              <a:buAutoNum type="arabicPeriod"/>
+            </a:pPr>
             <a:r>
               <a:rPr kumimoji="1" lang="ko-KR" altLang="en-US" sz="2000" dirty="0">
                 <a:solidFill>
@@ -5641,7 +5626,7 @@
                 <a:latin typeface="BM DoHyeon OTF" panose="020B0600000101010101" pitchFamily="34" charset="-127"/>
                 <a:ea typeface="BM DoHyeon OTF" panose="020B0600000101010101" pitchFamily="34" charset="-127"/>
               </a:rPr>
-              <a:t>단계</a:t>
+              <a:t>코로나 단계 별 주 소비층은 어떻게 되는가</a:t>
             </a:r>
             <a:r>
               <a:rPr kumimoji="1" lang="en-US" altLang="ko-KR" sz="2000" dirty="0">
@@ -5653,173 +5638,16 @@
                 <a:latin typeface="BM DoHyeon OTF" panose="020B0600000101010101" pitchFamily="34" charset="-127"/>
                 <a:ea typeface="BM DoHyeon OTF" panose="020B0600000101010101" pitchFamily="34" charset="-127"/>
               </a:rPr>
-              <a:t>,</a:t>
-            </a:r>
-            <a:r>
-              <a:rPr kumimoji="1" lang="ko-KR" altLang="en-US" sz="2000" dirty="0">
-                <a:solidFill>
-                  <a:schemeClr val="accent6">
-                    <a:lumMod val="75000"/>
-                  </a:schemeClr>
-                </a:solidFill>
-                <a:latin typeface="BM DoHyeon OTF" panose="020B0600000101010101" pitchFamily="34" charset="-127"/>
-                <a:ea typeface="BM DoHyeon OTF" panose="020B0600000101010101" pitchFamily="34" charset="-127"/>
-              </a:rPr>
-              <a:t> 일상 회복</a:t>
-            </a:r>
-            <a:r>
-              <a:rPr kumimoji="1" lang="en-US" altLang="ko-KR" sz="2000" dirty="0">
-                <a:solidFill>
-                  <a:schemeClr val="accent6">
-                    <a:lumMod val="75000"/>
-                  </a:schemeClr>
-                </a:solidFill>
-                <a:latin typeface="BM DoHyeon OTF" panose="020B0600000101010101" pitchFamily="34" charset="-127"/>
-                <a:ea typeface="BM DoHyeon OTF" panose="020B0600000101010101" pitchFamily="34" charset="-127"/>
-              </a:rPr>
-              <a:t>,</a:t>
-            </a:r>
-            <a:r>
-              <a:rPr kumimoji="1" lang="ko-KR" altLang="en-US" sz="2000" dirty="0">
-                <a:solidFill>
-                  <a:schemeClr val="accent6">
-                    <a:lumMod val="75000"/>
-                  </a:schemeClr>
-                </a:solidFill>
-                <a:latin typeface="BM DoHyeon OTF" panose="020B0600000101010101" pitchFamily="34" charset="-127"/>
-                <a:ea typeface="BM DoHyeon OTF" panose="020B0600000101010101" pitchFamily="34" charset="-127"/>
-              </a:rPr>
-              <a:t> 해제를 비교하여 카드 매출 비율은 어떻게 되는가</a:t>
-            </a:r>
-            <a:r>
-              <a:rPr kumimoji="1" lang="en-US" altLang="ko-KR" sz="2000" dirty="0">
-                <a:solidFill>
-                  <a:schemeClr val="accent6">
-                    <a:lumMod val="75000"/>
-                  </a:schemeClr>
-                </a:solidFill>
-                <a:latin typeface="BM DoHyeon OTF" panose="020B0600000101010101" pitchFamily="34" charset="-127"/>
-                <a:ea typeface="BM DoHyeon OTF" panose="020B0600000101010101" pitchFamily="34" charset="-127"/>
-              </a:rPr>
               <a:t>?</a:t>
             </a:r>
-            <a:br>
-              <a:rPr kumimoji="1" lang="en-US" altLang="ko-KR" sz="2000" dirty="0">
-                <a:solidFill>
-                  <a:schemeClr val="accent6">
-                    <a:lumMod val="75000"/>
-                  </a:schemeClr>
-                </a:solidFill>
-                <a:latin typeface="BM DoHyeon OTF" panose="020B0600000101010101" pitchFamily="34" charset="-127"/>
-                <a:ea typeface="BM DoHyeon OTF" panose="020B0600000101010101" pitchFamily="34" charset="-127"/>
-              </a:rPr>
-            </a:br>
-            <a:r>
-              <a:rPr kumimoji="1" lang="en-US" altLang="ko-KR" sz="1600" dirty="0">
-                <a:solidFill>
-                  <a:schemeClr val="accent6">
-                    <a:lumMod val="75000"/>
-                  </a:schemeClr>
-                </a:solidFill>
-                <a:latin typeface="BM DoHyeon OTF" panose="020B0600000101010101" pitchFamily="34" charset="-127"/>
-                <a:ea typeface="BM DoHyeon OTF" panose="020B0600000101010101" pitchFamily="34" charset="-127"/>
-              </a:rPr>
-              <a:t>-</a:t>
-            </a:r>
-            <a:r>
-              <a:rPr kumimoji="1" lang="ko-KR" altLang="en-US" sz="1600" dirty="0">
-                <a:solidFill>
-                  <a:schemeClr val="accent6">
-                    <a:lumMod val="75000"/>
-                  </a:schemeClr>
-                </a:solidFill>
-                <a:latin typeface="BM DoHyeon OTF" panose="020B0600000101010101" pitchFamily="34" charset="-127"/>
-                <a:ea typeface="BM DoHyeon OTF" panose="020B0600000101010101" pitchFamily="34" charset="-127"/>
-              </a:rPr>
-              <a:t> 전체 코로나별 카드 매출 비율 비교</a:t>
-            </a:r>
-            <a:br>
-              <a:rPr kumimoji="1" lang="en-US" altLang="ko-KR" sz="2000" dirty="0">
-                <a:solidFill>
-                  <a:schemeClr val="accent6">
-                    <a:lumMod val="75000"/>
-                  </a:schemeClr>
-                </a:solidFill>
-                <a:latin typeface="BM DoHyeon OTF" panose="020B0600000101010101" pitchFamily="34" charset="-127"/>
-                <a:ea typeface="BM DoHyeon OTF" panose="020B0600000101010101" pitchFamily="34" charset="-127"/>
-              </a:rPr>
-            </a:br>
-            <a:r>
-              <a:rPr kumimoji="1" lang="en-US" altLang="ko-KR" sz="1600" dirty="0">
-                <a:solidFill>
-                  <a:schemeClr val="accent6">
-                    <a:lumMod val="75000"/>
-                  </a:schemeClr>
-                </a:solidFill>
-                <a:latin typeface="BM DoHyeon OTF" panose="020B0600000101010101" pitchFamily="34" charset="-127"/>
-                <a:ea typeface="BM DoHyeon OTF" panose="020B0600000101010101" pitchFamily="34" charset="-127"/>
-              </a:rPr>
-              <a:t>-</a:t>
-            </a:r>
-            <a:r>
-              <a:rPr kumimoji="1" lang="ko-KR" altLang="en-US" sz="2000" dirty="0">
-                <a:solidFill>
-                  <a:schemeClr val="accent6">
-                    <a:lumMod val="75000"/>
-                  </a:schemeClr>
-                </a:solidFill>
-                <a:latin typeface="BM DoHyeon OTF" panose="020B0600000101010101" pitchFamily="34" charset="-127"/>
-                <a:ea typeface="BM DoHyeon OTF" panose="020B0600000101010101" pitchFamily="34" charset="-127"/>
-              </a:rPr>
-              <a:t> </a:t>
-            </a:r>
-            <a:r>
-              <a:rPr kumimoji="1" lang="ko-KR" altLang="en-US" sz="1600" dirty="0">
-                <a:solidFill>
-                  <a:schemeClr val="accent6">
-                    <a:lumMod val="75000"/>
-                  </a:schemeClr>
-                </a:solidFill>
-                <a:latin typeface="BM DoHyeon OTF" panose="020B0600000101010101" pitchFamily="34" charset="-127"/>
-                <a:ea typeface="BM DoHyeon OTF" panose="020B0600000101010101" pitchFamily="34" charset="-127"/>
-              </a:rPr>
-              <a:t>연령별 카드 매출 비율 비교</a:t>
-            </a:r>
-            <a:br>
-              <a:rPr kumimoji="1" lang="en-US" altLang="ko-KR" sz="1600" dirty="0">
-                <a:solidFill>
-                  <a:schemeClr val="accent6">
-                    <a:lumMod val="75000"/>
-                  </a:schemeClr>
-                </a:solidFill>
-                <a:latin typeface="BM DoHyeon OTF" panose="020B0600000101010101" pitchFamily="34" charset="-127"/>
-                <a:ea typeface="BM DoHyeon OTF" panose="020B0600000101010101" pitchFamily="34" charset="-127"/>
-              </a:rPr>
-            </a:br>
-            <a:r>
-              <a:rPr kumimoji="1" lang="en-US" altLang="ko-KR" sz="1600" dirty="0">
-                <a:solidFill>
-                  <a:schemeClr val="accent6">
-                    <a:lumMod val="75000"/>
-                  </a:schemeClr>
-                </a:solidFill>
-                <a:latin typeface="BM DoHyeon OTF" panose="020B0600000101010101" pitchFamily="34" charset="-127"/>
-                <a:ea typeface="BM DoHyeon OTF" panose="020B0600000101010101" pitchFamily="34" charset="-127"/>
-              </a:rPr>
-              <a:t>-</a:t>
-            </a:r>
-            <a:r>
-              <a:rPr kumimoji="1" lang="ko-KR" altLang="en-US" sz="1600" dirty="0">
-                <a:solidFill>
-                  <a:schemeClr val="accent6">
-                    <a:lumMod val="75000"/>
-                  </a:schemeClr>
-                </a:solidFill>
-                <a:latin typeface="BM DoHyeon OTF" panose="020B0600000101010101" pitchFamily="34" charset="-127"/>
-                <a:ea typeface="BM DoHyeon OTF" panose="020B0600000101010101" pitchFamily="34" charset="-127"/>
-              </a:rPr>
-              <a:t> 성별 카드 매출 비율 비교</a:t>
-            </a:r>
+          </a:p>
+          <a:p>
+            <a:pPr marL="457200" indent="-457200">
+              <a:lnSpc>
+                <a:spcPct val="150000"/>
+              </a:lnSpc>
+              <a:buAutoNum type="arabicPeriod"/>
+            </a:pPr>
             <a:endParaRPr kumimoji="1" lang="en-US" altLang="ko-KR" sz="2000" dirty="0">
               <a:solidFill>
                 <a:schemeClr val="accent6">
@@ -5873,6 +5701,956 @@
           </a:fontRef>
         </p:style>
       </p:cxnSp>
+      <p:sp>
+        <p:nvSpPr>
+          <p:cNvPr id="15" name="TextBox 14">
+            <a:extLst>
+              <a:ext uri="{FF2B5EF4-FFF2-40B4-BE49-F238E27FC236}">
+                <a16:creationId xmlns:a16="http://schemas.microsoft.com/office/drawing/2014/main" id="{791A948D-1B8B-7BD6-0712-F9A517AB36C7}"/>
+              </a:ext>
+            </a:extLst>
+          </p:cNvPr>
+          <p:cNvSpPr txBox="1"/>
+          <p:nvPr/>
+        </p:nvSpPr>
+        <p:spPr>
+          <a:xfrm>
+            <a:off x="6629393" y="1338147"/>
+            <a:ext cx="5053500" cy="523220"/>
+          </a:xfrm>
+          <a:prstGeom prst="rect">
+            <a:avLst/>
+          </a:prstGeom>
+          <a:noFill/>
+        </p:spPr>
+        <p:txBody>
+          <a:bodyPr wrap="square">
+            <a:spAutoFit/>
+          </a:bodyPr>
+          <a:lstStyle/>
+          <a:p>
+            <a:r>
+              <a:rPr kumimoji="1" lang="en-US" altLang="ko-KR" sz="1400" dirty="0">
+                <a:solidFill>
+                  <a:schemeClr val="bg1"/>
+                </a:solidFill>
+                <a:latin typeface="BM DoHyeon OTF" panose="020B0600000101010101" pitchFamily="34" charset="-127"/>
+                <a:ea typeface="BM DoHyeon OTF" panose="020B0600000101010101" pitchFamily="34" charset="-127"/>
+              </a:rPr>
+              <a:t>-</a:t>
+            </a:r>
+            <a:r>
+              <a:rPr kumimoji="1" lang="ko-KR" altLang="en-US" sz="1400" dirty="0">
+                <a:solidFill>
+                  <a:schemeClr val="bg1"/>
+                </a:solidFill>
+                <a:latin typeface="BM DoHyeon OTF" panose="020B0600000101010101" pitchFamily="34" charset="-127"/>
+                <a:ea typeface="BM DoHyeon OTF" panose="020B0600000101010101" pitchFamily="34" charset="-127"/>
+              </a:rPr>
+              <a:t> 코로나 단계 기준 음식점 관심도 확인</a:t>
+            </a:r>
+            <a:br>
+              <a:rPr kumimoji="1" lang="en-US" altLang="ko-KR" sz="1400" dirty="0">
+                <a:solidFill>
+                  <a:schemeClr val="bg1"/>
+                </a:solidFill>
+                <a:latin typeface="BM DoHyeon OTF" panose="020B0600000101010101" pitchFamily="34" charset="-127"/>
+                <a:ea typeface="BM DoHyeon OTF" panose="020B0600000101010101" pitchFamily="34" charset="-127"/>
+              </a:rPr>
+            </a:br>
+            <a:r>
+              <a:rPr kumimoji="1" lang="en-US" altLang="ko-KR" sz="1400" dirty="0">
+                <a:solidFill>
+                  <a:schemeClr val="bg1"/>
+                </a:solidFill>
+                <a:latin typeface="BM DoHyeon OTF" panose="020B0600000101010101" pitchFamily="34" charset="-127"/>
+                <a:ea typeface="BM DoHyeon OTF" panose="020B0600000101010101" pitchFamily="34" charset="-127"/>
+              </a:rPr>
+              <a:t>-</a:t>
+            </a:r>
+            <a:r>
+              <a:rPr kumimoji="1" lang="ko-KR" altLang="en-US" sz="1400" dirty="0">
+                <a:solidFill>
+                  <a:schemeClr val="bg1"/>
+                </a:solidFill>
+                <a:latin typeface="BM DoHyeon OTF" panose="020B0600000101010101" pitchFamily="34" charset="-127"/>
+                <a:ea typeface="BM DoHyeon OTF" panose="020B0600000101010101" pitchFamily="34" charset="-127"/>
+              </a:rPr>
+              <a:t> 코로나 단계 기준 음식점 카드 사용 비율 확인</a:t>
+            </a:r>
+            <a:endParaRPr lang="ko-KR" altLang="en-US" sz="1400" dirty="0">
+              <a:solidFill>
+                <a:schemeClr val="bg1"/>
+              </a:solidFill>
+            </a:endParaRPr>
+          </a:p>
+        </p:txBody>
+      </p:sp>
+      <p:sp>
+        <p:nvSpPr>
+          <p:cNvPr id="20" name="모서리가 둥근 직사각형 19">
+            <a:extLst>
+              <a:ext uri="{FF2B5EF4-FFF2-40B4-BE49-F238E27FC236}">
+                <a16:creationId xmlns:a16="http://schemas.microsoft.com/office/drawing/2014/main" id="{D068D74D-6F6C-917D-FC0F-16E6401318B5}"/>
+              </a:ext>
+            </a:extLst>
+          </p:cNvPr>
+          <p:cNvSpPr/>
+          <p:nvPr/>
+        </p:nvSpPr>
+        <p:spPr>
+          <a:xfrm>
+            <a:off x="6458857" y="2113361"/>
+            <a:ext cx="5428343" cy="827314"/>
+          </a:xfrm>
+          <a:prstGeom prst="roundRect">
+            <a:avLst/>
+          </a:prstGeom>
+          <a:solidFill>
+            <a:schemeClr val="accent6">
+              <a:lumMod val="50000"/>
+            </a:schemeClr>
+          </a:solidFill>
+          <a:ln>
+            <a:solidFill>
+              <a:schemeClr val="accent6">
+                <a:lumMod val="50000"/>
+              </a:schemeClr>
+            </a:solidFill>
+          </a:ln>
+        </p:spPr>
+        <p:style>
+          <a:lnRef idx="2">
+            <a:schemeClr val="accent1">
+              <a:shade val="50000"/>
+            </a:schemeClr>
+          </a:lnRef>
+          <a:fillRef idx="1">
+            <a:schemeClr val="accent1"/>
+          </a:fillRef>
+          <a:effectRef idx="0">
+            <a:schemeClr val="accent1"/>
+          </a:effectRef>
+          <a:fontRef idx="minor">
+            <a:schemeClr val="lt1"/>
+          </a:fontRef>
+        </p:style>
+        <p:txBody>
+          <a:bodyPr rtlCol="0" anchor="ctr"/>
+          <a:lstStyle/>
+          <a:p>
+            <a:pPr algn="ctr"/>
+            <a:endParaRPr kumimoji="1" lang="ko-KR" altLang="en-US"/>
+          </a:p>
+        </p:txBody>
+      </p:sp>
+      <p:sp>
+        <p:nvSpPr>
+          <p:cNvPr id="21" name="TextBox 20">
+            <a:extLst>
+              <a:ext uri="{FF2B5EF4-FFF2-40B4-BE49-F238E27FC236}">
+                <a16:creationId xmlns:a16="http://schemas.microsoft.com/office/drawing/2014/main" id="{7DEE43E5-182B-4C5E-A95B-26D505BE3740}"/>
+              </a:ext>
+            </a:extLst>
+          </p:cNvPr>
+          <p:cNvSpPr txBox="1"/>
+          <p:nvPr/>
+        </p:nvSpPr>
+        <p:spPr>
+          <a:xfrm>
+            <a:off x="6629393" y="2183396"/>
+            <a:ext cx="5053500" cy="738664"/>
+          </a:xfrm>
+          <a:prstGeom prst="rect">
+            <a:avLst/>
+          </a:prstGeom>
+          <a:noFill/>
+        </p:spPr>
+        <p:txBody>
+          <a:bodyPr wrap="square">
+            <a:spAutoFit/>
+          </a:bodyPr>
+          <a:lstStyle/>
+          <a:p>
+            <a:r>
+              <a:rPr kumimoji="1" lang="en-US" altLang="ko-KR" sz="1400" dirty="0">
+                <a:solidFill>
+                  <a:schemeClr val="bg1"/>
+                </a:solidFill>
+                <a:latin typeface="BM DoHyeon OTF" panose="020B0600000101010101" pitchFamily="34" charset="-127"/>
+                <a:ea typeface="BM DoHyeon OTF" panose="020B0600000101010101" pitchFamily="34" charset="-127"/>
+              </a:rPr>
+              <a:t>-</a:t>
+            </a:r>
+            <a:r>
+              <a:rPr kumimoji="1" lang="ko-KR" altLang="en-US" sz="1400" dirty="0">
+                <a:solidFill>
+                  <a:schemeClr val="bg1"/>
+                </a:solidFill>
+                <a:latin typeface="BM DoHyeon OTF" panose="020B0600000101010101" pitchFamily="34" charset="-127"/>
+                <a:ea typeface="BM DoHyeon OTF" panose="020B0600000101010101" pitchFamily="34" charset="-127"/>
+              </a:rPr>
+              <a:t> 전체 관심도 및 카드 사용 비율 확인</a:t>
+            </a:r>
+            <a:br>
+              <a:rPr kumimoji="1" lang="en-US" altLang="ko-KR" sz="1400" dirty="0">
+                <a:solidFill>
+                  <a:schemeClr val="bg1"/>
+                </a:solidFill>
+                <a:latin typeface="BM DoHyeon OTF" panose="020B0600000101010101" pitchFamily="34" charset="-127"/>
+                <a:ea typeface="BM DoHyeon OTF" panose="020B0600000101010101" pitchFamily="34" charset="-127"/>
+              </a:rPr>
+            </a:br>
+            <a:r>
+              <a:rPr kumimoji="1" lang="en-US" altLang="ko-KR" sz="1400" dirty="0">
+                <a:solidFill>
+                  <a:schemeClr val="bg1"/>
+                </a:solidFill>
+                <a:latin typeface="BM DoHyeon OTF" panose="020B0600000101010101" pitchFamily="34" charset="-127"/>
+                <a:ea typeface="BM DoHyeon OTF" panose="020B0600000101010101" pitchFamily="34" charset="-127"/>
+              </a:rPr>
+              <a:t>-</a:t>
+            </a:r>
+            <a:r>
+              <a:rPr kumimoji="1" lang="ko-KR" altLang="en-US" sz="1400" dirty="0">
+                <a:solidFill>
+                  <a:schemeClr val="bg1"/>
+                </a:solidFill>
+                <a:latin typeface="BM DoHyeon OTF" panose="020B0600000101010101" pitchFamily="34" charset="-127"/>
+                <a:ea typeface="BM DoHyeon OTF" panose="020B0600000101010101" pitchFamily="34" charset="-127"/>
+              </a:rPr>
+              <a:t> 관심도 순위 기준</a:t>
+            </a:r>
+            <a:r>
+              <a:rPr kumimoji="1" lang="en-US" altLang="ko-KR" sz="1400" dirty="0">
+                <a:solidFill>
+                  <a:schemeClr val="bg1"/>
+                </a:solidFill>
+                <a:latin typeface="BM DoHyeon OTF" panose="020B0600000101010101" pitchFamily="34" charset="-127"/>
+                <a:ea typeface="BM DoHyeon OTF" panose="020B0600000101010101" pitchFamily="34" charset="-127"/>
+              </a:rPr>
+              <a:t>(1</a:t>
+            </a:r>
+            <a:r>
+              <a:rPr kumimoji="1" lang="ko-KR" altLang="en-US" sz="1400" dirty="0">
+                <a:solidFill>
+                  <a:schemeClr val="bg1"/>
+                </a:solidFill>
+                <a:latin typeface="BM DoHyeon OTF" panose="020B0600000101010101" pitchFamily="34" charset="-127"/>
+                <a:ea typeface="BM DoHyeon OTF" panose="020B0600000101010101" pitchFamily="34" charset="-127"/>
+              </a:rPr>
+              <a:t>위</a:t>
+            </a:r>
+            <a:r>
+              <a:rPr kumimoji="1" lang="en-US" altLang="ko-KR" sz="1400" dirty="0">
+                <a:solidFill>
+                  <a:schemeClr val="bg1"/>
+                </a:solidFill>
+                <a:latin typeface="BM DoHyeon OTF" panose="020B0600000101010101" pitchFamily="34" charset="-127"/>
+                <a:ea typeface="BM DoHyeon OTF" panose="020B0600000101010101" pitchFamily="34" charset="-127"/>
+              </a:rPr>
+              <a:t>,2</a:t>
+            </a:r>
+            <a:r>
+              <a:rPr kumimoji="1" lang="ko-KR" altLang="en-US" sz="1400" dirty="0">
+                <a:solidFill>
+                  <a:schemeClr val="bg1"/>
+                </a:solidFill>
+                <a:latin typeface="BM DoHyeon OTF" panose="020B0600000101010101" pitchFamily="34" charset="-127"/>
+                <a:ea typeface="BM DoHyeon OTF" panose="020B0600000101010101" pitchFamily="34" charset="-127"/>
+              </a:rPr>
+              <a:t>위</a:t>
+            </a:r>
+            <a:r>
+              <a:rPr kumimoji="1" lang="en-US" altLang="ko-KR" sz="1400" dirty="0">
+                <a:solidFill>
+                  <a:schemeClr val="bg1"/>
+                </a:solidFill>
+                <a:latin typeface="BM DoHyeon OTF" panose="020B0600000101010101" pitchFamily="34" charset="-127"/>
+                <a:ea typeface="BM DoHyeon OTF" panose="020B0600000101010101" pitchFamily="34" charset="-127"/>
+              </a:rPr>
+              <a:t>,3</a:t>
+            </a:r>
+            <a:r>
+              <a:rPr kumimoji="1" lang="ko-KR" altLang="en-US" sz="1400" dirty="0">
+                <a:solidFill>
+                  <a:schemeClr val="bg1"/>
+                </a:solidFill>
+                <a:latin typeface="BM DoHyeon OTF" panose="020B0600000101010101" pitchFamily="34" charset="-127"/>
+                <a:ea typeface="BM DoHyeon OTF" panose="020B0600000101010101" pitchFamily="34" charset="-127"/>
+              </a:rPr>
+              <a:t>위</a:t>
+            </a:r>
+            <a:r>
+              <a:rPr kumimoji="1" lang="en-US" altLang="ko-KR" sz="1400" dirty="0">
+                <a:solidFill>
+                  <a:schemeClr val="bg1"/>
+                </a:solidFill>
+                <a:latin typeface="BM DoHyeon OTF" panose="020B0600000101010101" pitchFamily="34" charset="-127"/>
+                <a:ea typeface="BM DoHyeon OTF" panose="020B0600000101010101" pitchFamily="34" charset="-127"/>
+              </a:rPr>
+              <a:t>)</a:t>
+            </a:r>
+            <a:r>
+              <a:rPr kumimoji="1" lang="ko-KR" altLang="en-US" sz="1400" dirty="0">
+                <a:solidFill>
+                  <a:schemeClr val="bg1"/>
+                </a:solidFill>
+                <a:latin typeface="BM DoHyeon OTF" panose="020B0600000101010101" pitchFamily="34" charset="-127"/>
+                <a:ea typeface="BM DoHyeon OTF" panose="020B0600000101010101" pitchFamily="34" charset="-127"/>
+              </a:rPr>
+              <a:t> 카드 사용 비율 확인</a:t>
+            </a:r>
+            <a:endParaRPr kumimoji="1" lang="en-US" altLang="ko-KR" sz="1400" dirty="0">
+              <a:solidFill>
+                <a:schemeClr val="bg1"/>
+              </a:solidFill>
+              <a:latin typeface="BM DoHyeon OTF" panose="020B0600000101010101" pitchFamily="34" charset="-127"/>
+              <a:ea typeface="BM DoHyeon OTF" panose="020B0600000101010101" pitchFamily="34" charset="-127"/>
+            </a:endParaRPr>
+          </a:p>
+          <a:p>
+            <a:r>
+              <a:rPr lang="en-US" altLang="ko-KR" sz="1400" dirty="0">
+                <a:solidFill>
+                  <a:schemeClr val="bg1"/>
+                </a:solidFill>
+                <a:latin typeface="BM DoHyeon OTF" panose="020B0600000101010101" pitchFamily="34" charset="-127"/>
+                <a:ea typeface="BM DoHyeon OTF" panose="020B0600000101010101" pitchFamily="34" charset="-127"/>
+              </a:rPr>
+              <a:t>-</a:t>
+            </a:r>
+            <a:r>
+              <a:rPr lang="ko-KR" altLang="en-US" sz="1400" dirty="0">
+                <a:solidFill>
+                  <a:schemeClr val="bg1"/>
+                </a:solidFill>
+                <a:latin typeface="BM DoHyeon OTF" panose="020B0600000101010101" pitchFamily="34" charset="-127"/>
+                <a:ea typeface="BM DoHyeon OTF" panose="020B0600000101010101" pitchFamily="34" charset="-127"/>
+              </a:rPr>
+              <a:t> 카드소비비율 순위 기준 </a:t>
+            </a:r>
+            <a:r>
+              <a:rPr lang="en-US" altLang="ko-KR" sz="1400" dirty="0">
+                <a:solidFill>
+                  <a:schemeClr val="bg1"/>
+                </a:solidFill>
+                <a:latin typeface="BM DoHyeon OTF" panose="020B0600000101010101" pitchFamily="34" charset="-127"/>
+                <a:ea typeface="BM DoHyeon OTF" panose="020B0600000101010101" pitchFamily="34" charset="-127"/>
+              </a:rPr>
+              <a:t>(1</a:t>
+            </a:r>
+            <a:r>
+              <a:rPr lang="ko-KR" altLang="en-US" sz="1400" dirty="0">
+                <a:solidFill>
+                  <a:schemeClr val="bg1"/>
+                </a:solidFill>
+                <a:latin typeface="BM DoHyeon OTF" panose="020B0600000101010101" pitchFamily="34" charset="-127"/>
+                <a:ea typeface="BM DoHyeon OTF" panose="020B0600000101010101" pitchFamily="34" charset="-127"/>
+              </a:rPr>
+              <a:t>위</a:t>
+            </a:r>
+            <a:r>
+              <a:rPr lang="en-US" altLang="ko-KR" sz="1400" dirty="0">
+                <a:solidFill>
+                  <a:schemeClr val="bg1"/>
+                </a:solidFill>
+                <a:latin typeface="BM DoHyeon OTF" panose="020B0600000101010101" pitchFamily="34" charset="-127"/>
+                <a:ea typeface="BM DoHyeon OTF" panose="020B0600000101010101" pitchFamily="34" charset="-127"/>
+              </a:rPr>
+              <a:t>,2</a:t>
+            </a:r>
+            <a:r>
+              <a:rPr lang="ko-KR" altLang="en-US" sz="1400" dirty="0">
+                <a:solidFill>
+                  <a:schemeClr val="bg1"/>
+                </a:solidFill>
+                <a:latin typeface="BM DoHyeon OTF" panose="020B0600000101010101" pitchFamily="34" charset="-127"/>
+                <a:ea typeface="BM DoHyeon OTF" panose="020B0600000101010101" pitchFamily="34" charset="-127"/>
+              </a:rPr>
+              <a:t>위</a:t>
+            </a:r>
+            <a:r>
+              <a:rPr lang="en-US" altLang="ko-KR" sz="1400" dirty="0">
+                <a:solidFill>
+                  <a:schemeClr val="bg1"/>
+                </a:solidFill>
+                <a:latin typeface="BM DoHyeon OTF" panose="020B0600000101010101" pitchFamily="34" charset="-127"/>
+                <a:ea typeface="BM DoHyeon OTF" panose="020B0600000101010101" pitchFamily="34" charset="-127"/>
+              </a:rPr>
+              <a:t>,</a:t>
+            </a:r>
+            <a:r>
+              <a:rPr lang="ko-KR" altLang="en-US" sz="1400" dirty="0">
+                <a:solidFill>
+                  <a:schemeClr val="bg1"/>
+                </a:solidFill>
+                <a:latin typeface="BM DoHyeon OTF" panose="020B0600000101010101" pitchFamily="34" charset="-127"/>
+                <a:ea typeface="BM DoHyeon OTF" panose="020B0600000101010101" pitchFamily="34" charset="-127"/>
+              </a:rPr>
+              <a:t> </a:t>
+            </a:r>
+            <a:r>
+              <a:rPr lang="en-US" altLang="ko-KR" sz="1400" dirty="0">
+                <a:solidFill>
+                  <a:schemeClr val="bg1"/>
+                </a:solidFill>
+                <a:latin typeface="BM DoHyeon OTF" panose="020B0600000101010101" pitchFamily="34" charset="-127"/>
+                <a:ea typeface="BM DoHyeon OTF" panose="020B0600000101010101" pitchFamily="34" charset="-127"/>
+              </a:rPr>
+              <a:t>3</a:t>
+            </a:r>
+            <a:r>
+              <a:rPr lang="ko-KR" altLang="en-US" sz="1400" dirty="0">
+                <a:solidFill>
+                  <a:schemeClr val="bg1"/>
+                </a:solidFill>
+                <a:latin typeface="BM DoHyeon OTF" panose="020B0600000101010101" pitchFamily="34" charset="-127"/>
+                <a:ea typeface="BM DoHyeon OTF" panose="020B0600000101010101" pitchFamily="34" charset="-127"/>
+              </a:rPr>
+              <a:t>위</a:t>
+            </a:r>
+            <a:r>
+              <a:rPr lang="en-US" altLang="ko-KR" sz="1400" dirty="0">
+                <a:solidFill>
+                  <a:schemeClr val="bg1"/>
+                </a:solidFill>
+                <a:latin typeface="BM DoHyeon OTF" panose="020B0600000101010101" pitchFamily="34" charset="-127"/>
+                <a:ea typeface="BM DoHyeon OTF" panose="020B0600000101010101" pitchFamily="34" charset="-127"/>
+              </a:rPr>
+              <a:t>)</a:t>
+            </a:r>
+            <a:r>
+              <a:rPr lang="ko-KR" altLang="en-US" sz="1400" dirty="0">
+                <a:solidFill>
+                  <a:schemeClr val="bg1"/>
+                </a:solidFill>
+                <a:latin typeface="BM DoHyeon OTF" panose="020B0600000101010101" pitchFamily="34" charset="-127"/>
+                <a:ea typeface="BM DoHyeon OTF" panose="020B0600000101010101" pitchFamily="34" charset="-127"/>
+              </a:rPr>
+              <a:t> 관심도 확인</a:t>
+            </a:r>
+          </a:p>
+        </p:txBody>
+      </p:sp>
+      <p:sp>
+        <p:nvSpPr>
+          <p:cNvPr id="22" name="모서리가 둥근 직사각형 21">
+            <a:extLst>
+              <a:ext uri="{FF2B5EF4-FFF2-40B4-BE49-F238E27FC236}">
+                <a16:creationId xmlns:a16="http://schemas.microsoft.com/office/drawing/2014/main" id="{26FE4E21-D015-DFB9-D117-3706F927486A}"/>
+              </a:ext>
+            </a:extLst>
+          </p:cNvPr>
+          <p:cNvSpPr/>
+          <p:nvPr/>
+        </p:nvSpPr>
+        <p:spPr>
+          <a:xfrm>
+            <a:off x="6458857" y="3095494"/>
+            <a:ext cx="5428343" cy="470267"/>
+          </a:xfrm>
+          <a:prstGeom prst="roundRect">
+            <a:avLst/>
+          </a:prstGeom>
+          <a:solidFill>
+            <a:schemeClr val="accent6">
+              <a:lumMod val="50000"/>
+            </a:schemeClr>
+          </a:solidFill>
+          <a:ln>
+            <a:solidFill>
+              <a:schemeClr val="accent6">
+                <a:lumMod val="50000"/>
+              </a:schemeClr>
+            </a:solidFill>
+          </a:ln>
+        </p:spPr>
+        <p:style>
+          <a:lnRef idx="2">
+            <a:schemeClr val="accent1">
+              <a:shade val="50000"/>
+            </a:schemeClr>
+          </a:lnRef>
+          <a:fillRef idx="1">
+            <a:schemeClr val="accent1"/>
+          </a:fillRef>
+          <a:effectRef idx="0">
+            <a:schemeClr val="accent1"/>
+          </a:effectRef>
+          <a:fontRef idx="minor">
+            <a:schemeClr val="lt1"/>
+          </a:fontRef>
+        </p:style>
+        <p:txBody>
+          <a:bodyPr rtlCol="0" anchor="ctr"/>
+          <a:lstStyle/>
+          <a:p>
+            <a:pPr algn="ctr"/>
+            <a:endParaRPr kumimoji="1" lang="ko-KR" altLang="en-US"/>
+          </a:p>
+        </p:txBody>
+      </p:sp>
+      <p:sp>
+        <p:nvSpPr>
+          <p:cNvPr id="23" name="TextBox 22">
+            <a:extLst>
+              <a:ext uri="{FF2B5EF4-FFF2-40B4-BE49-F238E27FC236}">
+                <a16:creationId xmlns:a16="http://schemas.microsoft.com/office/drawing/2014/main" id="{251725A8-980A-1D50-B703-DCA3525C314A}"/>
+              </a:ext>
+            </a:extLst>
+          </p:cNvPr>
+          <p:cNvSpPr txBox="1"/>
+          <p:nvPr/>
+        </p:nvSpPr>
+        <p:spPr>
+          <a:xfrm>
+            <a:off x="6629393" y="3180423"/>
+            <a:ext cx="5053500" cy="307777"/>
+          </a:xfrm>
+          <a:prstGeom prst="rect">
+            <a:avLst/>
+          </a:prstGeom>
+          <a:noFill/>
+        </p:spPr>
+        <p:txBody>
+          <a:bodyPr wrap="square">
+            <a:spAutoFit/>
+          </a:bodyPr>
+          <a:lstStyle/>
+          <a:p>
+            <a:r>
+              <a:rPr kumimoji="1" lang="en-US" altLang="ko-KR" sz="1400" dirty="0">
+                <a:solidFill>
+                  <a:schemeClr val="bg1"/>
+                </a:solidFill>
+                <a:latin typeface="BM DoHyeon OTF" panose="020B0600000101010101" pitchFamily="34" charset="-127"/>
+                <a:ea typeface="BM DoHyeon OTF" panose="020B0600000101010101" pitchFamily="34" charset="-127"/>
+              </a:rPr>
+              <a:t>-</a:t>
+            </a:r>
+            <a:r>
+              <a:rPr kumimoji="1" lang="ko-KR" altLang="en-US" sz="1400" dirty="0">
+                <a:solidFill>
+                  <a:schemeClr val="bg1"/>
+                </a:solidFill>
+                <a:latin typeface="BM DoHyeon OTF" panose="020B0600000101010101" pitchFamily="34" charset="-127"/>
+                <a:ea typeface="BM DoHyeon OTF" panose="020B0600000101010101" pitchFamily="34" charset="-127"/>
+              </a:rPr>
+              <a:t> </a:t>
+            </a:r>
+            <a:r>
+              <a:rPr kumimoji="1" lang="en-US" altLang="ko-KR" sz="1400" dirty="0">
+                <a:solidFill>
+                  <a:schemeClr val="bg1"/>
+                </a:solidFill>
+                <a:latin typeface="BM DoHyeon OTF" panose="020B0600000101010101" pitchFamily="34" charset="-127"/>
+                <a:ea typeface="BM DoHyeon OTF" panose="020B0600000101010101" pitchFamily="34" charset="-127"/>
+              </a:rPr>
+              <a:t>2</a:t>
+            </a:r>
+            <a:r>
+              <a:rPr kumimoji="1" lang="ko-KR" altLang="en-US" sz="1400" dirty="0">
+                <a:solidFill>
+                  <a:schemeClr val="bg1"/>
+                </a:solidFill>
+                <a:latin typeface="BM DoHyeon OTF" panose="020B0600000101010101" pitchFamily="34" charset="-127"/>
+                <a:ea typeface="BM DoHyeon OTF" panose="020B0600000101010101" pitchFamily="34" charset="-127"/>
+              </a:rPr>
+              <a:t>번 결과를 바탕으로 주 고객 확인</a:t>
+            </a:r>
+            <a:endParaRPr lang="ko-KR" altLang="en-US" sz="1400" dirty="0">
+              <a:solidFill>
+                <a:schemeClr val="bg1"/>
+              </a:solidFill>
+            </a:endParaRPr>
+          </a:p>
+        </p:txBody>
+      </p:sp>
+      <p:sp>
+        <p:nvSpPr>
+          <p:cNvPr id="24" name="모서리가 둥근 직사각형 23">
+            <a:extLst>
+              <a:ext uri="{FF2B5EF4-FFF2-40B4-BE49-F238E27FC236}">
+                <a16:creationId xmlns:a16="http://schemas.microsoft.com/office/drawing/2014/main" id="{36AA85B4-A86C-2A42-DAF0-443F169EA877}"/>
+              </a:ext>
+            </a:extLst>
+          </p:cNvPr>
+          <p:cNvSpPr/>
+          <p:nvPr/>
+        </p:nvSpPr>
+        <p:spPr>
+          <a:xfrm>
+            <a:off x="6458857" y="3737544"/>
+            <a:ext cx="5428343" cy="827314"/>
+          </a:xfrm>
+          <a:prstGeom prst="roundRect">
+            <a:avLst/>
+          </a:prstGeom>
+          <a:solidFill>
+            <a:schemeClr val="accent6">
+              <a:lumMod val="50000"/>
+            </a:schemeClr>
+          </a:solidFill>
+          <a:ln>
+            <a:solidFill>
+              <a:schemeClr val="accent6">
+                <a:lumMod val="50000"/>
+              </a:schemeClr>
+            </a:solidFill>
+          </a:ln>
+        </p:spPr>
+        <p:style>
+          <a:lnRef idx="2">
+            <a:schemeClr val="accent1">
+              <a:shade val="50000"/>
+            </a:schemeClr>
+          </a:lnRef>
+          <a:fillRef idx="1">
+            <a:schemeClr val="accent1"/>
+          </a:fillRef>
+          <a:effectRef idx="0">
+            <a:schemeClr val="accent1"/>
+          </a:effectRef>
+          <a:fontRef idx="minor">
+            <a:schemeClr val="lt1"/>
+          </a:fontRef>
+        </p:style>
+        <p:txBody>
+          <a:bodyPr rtlCol="0" anchor="ctr"/>
+          <a:lstStyle/>
+          <a:p>
+            <a:pPr algn="ctr"/>
+            <a:endParaRPr kumimoji="1" lang="ko-KR" altLang="en-US"/>
+          </a:p>
+        </p:txBody>
+      </p:sp>
+      <p:sp>
+        <p:nvSpPr>
+          <p:cNvPr id="25" name="TextBox 24">
+            <a:extLst>
+              <a:ext uri="{FF2B5EF4-FFF2-40B4-BE49-F238E27FC236}">
+                <a16:creationId xmlns:a16="http://schemas.microsoft.com/office/drawing/2014/main" id="{B430CB24-D398-85E1-5ABF-57AAC872C7E7}"/>
+              </a:ext>
+            </a:extLst>
+          </p:cNvPr>
+          <p:cNvSpPr txBox="1"/>
+          <p:nvPr/>
+        </p:nvSpPr>
+        <p:spPr>
+          <a:xfrm>
+            <a:off x="6629393" y="3900034"/>
+            <a:ext cx="5053500" cy="523220"/>
+          </a:xfrm>
+          <a:prstGeom prst="rect">
+            <a:avLst/>
+          </a:prstGeom>
+          <a:noFill/>
+        </p:spPr>
+        <p:txBody>
+          <a:bodyPr wrap="square">
+            <a:spAutoFit/>
+          </a:bodyPr>
+          <a:lstStyle/>
+          <a:p>
+            <a:r>
+              <a:rPr kumimoji="1" lang="en-US" altLang="ko-KR" sz="1400" dirty="0">
+                <a:solidFill>
+                  <a:schemeClr val="bg1"/>
+                </a:solidFill>
+                <a:latin typeface="BM DoHyeon OTF" panose="020B0600000101010101" pitchFamily="34" charset="-127"/>
+                <a:ea typeface="BM DoHyeon OTF" panose="020B0600000101010101" pitchFamily="34" charset="-127"/>
+              </a:rPr>
+              <a:t>-</a:t>
+            </a:r>
+            <a:r>
+              <a:rPr kumimoji="1" lang="ko-KR" altLang="en-US" sz="1400" dirty="0">
+                <a:solidFill>
+                  <a:schemeClr val="bg1"/>
+                </a:solidFill>
+                <a:latin typeface="BM DoHyeon OTF" panose="020B0600000101010101" pitchFamily="34" charset="-127"/>
+                <a:ea typeface="BM DoHyeon OTF" panose="020B0600000101010101" pitchFamily="34" charset="-127"/>
+              </a:rPr>
+              <a:t> 코로나 단계별 연령대 기준으로 </a:t>
+            </a:r>
+            <a:r>
+              <a:rPr kumimoji="1" lang="ko-KR" altLang="en-US" sz="1400" dirty="0" err="1">
+                <a:solidFill>
+                  <a:schemeClr val="bg1"/>
+                </a:solidFill>
+                <a:latin typeface="BM DoHyeon OTF" panose="020B0600000101010101" pitchFamily="34" charset="-127"/>
+                <a:ea typeface="BM DoHyeon OTF" panose="020B0600000101010101" pitchFamily="34" charset="-127"/>
+              </a:rPr>
+              <a:t>그룹핑하여</a:t>
+            </a:r>
+            <a:br>
+              <a:rPr kumimoji="1" lang="en-US" altLang="ko-KR" sz="1400" dirty="0">
+                <a:solidFill>
+                  <a:schemeClr val="bg1"/>
+                </a:solidFill>
+                <a:latin typeface="BM DoHyeon OTF" panose="020B0600000101010101" pitchFamily="34" charset="-127"/>
+                <a:ea typeface="BM DoHyeon OTF" panose="020B0600000101010101" pitchFamily="34" charset="-127"/>
+              </a:rPr>
+            </a:br>
+            <a:r>
+              <a:rPr kumimoji="1" lang="ko-KR" altLang="en-US" sz="1400" dirty="0">
+                <a:solidFill>
+                  <a:schemeClr val="bg1"/>
+                </a:solidFill>
+                <a:latin typeface="BM DoHyeon OTF" panose="020B0600000101010101" pitchFamily="34" charset="-127"/>
+                <a:ea typeface="BM DoHyeon OTF" panose="020B0600000101010101" pitchFamily="34" charset="-127"/>
+              </a:rPr>
+              <a:t>카드 사용 비율을 확인</a:t>
+            </a:r>
+            <a:endParaRPr lang="ko-KR" altLang="en-US" sz="1400" dirty="0">
+              <a:solidFill>
+                <a:schemeClr val="bg1"/>
+              </a:solidFill>
+            </a:endParaRPr>
+          </a:p>
+        </p:txBody>
+      </p:sp>
+      <p:sp>
+        <p:nvSpPr>
+          <p:cNvPr id="27" name="TextBox 26">
+            <a:extLst>
+              <a:ext uri="{FF2B5EF4-FFF2-40B4-BE49-F238E27FC236}">
+                <a16:creationId xmlns:a16="http://schemas.microsoft.com/office/drawing/2014/main" id="{6663F2B4-23CB-821A-ECF1-E059489A0D07}"/>
+              </a:ext>
+            </a:extLst>
+          </p:cNvPr>
+          <p:cNvSpPr txBox="1"/>
+          <p:nvPr/>
+        </p:nvSpPr>
+        <p:spPr>
+          <a:xfrm>
+            <a:off x="4119528" y="4979831"/>
+            <a:ext cx="5053500" cy="307777"/>
+          </a:xfrm>
+          <a:prstGeom prst="rect">
+            <a:avLst/>
+          </a:prstGeom>
+          <a:noFill/>
+        </p:spPr>
+        <p:txBody>
+          <a:bodyPr wrap="square">
+            <a:spAutoFit/>
+          </a:bodyPr>
+          <a:lstStyle/>
+          <a:p>
+            <a:r>
+              <a:rPr kumimoji="1" lang="en-US" altLang="ko-KR" sz="1400" dirty="0">
+                <a:solidFill>
+                  <a:srgbClr val="002060"/>
+                </a:solidFill>
+                <a:latin typeface="BM DoHyeon OTF" panose="020B0600000101010101" pitchFamily="34" charset="-127"/>
+                <a:ea typeface="BM DoHyeon OTF" panose="020B0600000101010101" pitchFamily="34" charset="-127"/>
+              </a:rPr>
+              <a:t>1</a:t>
+            </a:r>
+            <a:r>
+              <a:rPr kumimoji="1" lang="ko-KR" altLang="en-US" sz="1400" dirty="0">
+                <a:solidFill>
+                  <a:srgbClr val="002060"/>
+                </a:solidFill>
+                <a:latin typeface="BM DoHyeon OTF" panose="020B0600000101010101" pitchFamily="34" charset="-127"/>
+                <a:ea typeface="BM DoHyeon OTF" panose="020B0600000101010101" pitchFamily="34" charset="-127"/>
+              </a:rPr>
+              <a:t>번</a:t>
+            </a:r>
+            <a:r>
+              <a:rPr kumimoji="1" lang="en-US" altLang="ko-KR" sz="1400" dirty="0">
+                <a:solidFill>
+                  <a:srgbClr val="002060"/>
+                </a:solidFill>
+                <a:latin typeface="BM DoHyeon OTF" panose="020B0600000101010101" pitchFamily="34" charset="-127"/>
+                <a:ea typeface="BM DoHyeon OTF" panose="020B0600000101010101" pitchFamily="34" charset="-127"/>
+              </a:rPr>
+              <a:t>~</a:t>
+            </a:r>
+            <a:r>
+              <a:rPr kumimoji="1" lang="ko-KR" altLang="en-US" sz="1400" dirty="0">
+                <a:solidFill>
+                  <a:srgbClr val="002060"/>
+                </a:solidFill>
+                <a:latin typeface="BM DoHyeon OTF" panose="020B0600000101010101" pitchFamily="34" charset="-127"/>
+                <a:ea typeface="BM DoHyeon OTF" panose="020B0600000101010101" pitchFamily="34" charset="-127"/>
+              </a:rPr>
+              <a:t> </a:t>
+            </a:r>
+            <a:r>
+              <a:rPr kumimoji="1" lang="en-US" altLang="ko-KR" sz="1400" dirty="0">
+                <a:solidFill>
+                  <a:srgbClr val="002060"/>
+                </a:solidFill>
+                <a:latin typeface="BM DoHyeon OTF" panose="020B0600000101010101" pitchFamily="34" charset="-127"/>
+                <a:ea typeface="BM DoHyeon OTF" panose="020B0600000101010101" pitchFamily="34" charset="-127"/>
+              </a:rPr>
+              <a:t>4</a:t>
+            </a:r>
+            <a:r>
+              <a:rPr kumimoji="1" lang="ko-KR" altLang="en-US" sz="1400" dirty="0">
+                <a:solidFill>
+                  <a:srgbClr val="002060"/>
+                </a:solidFill>
+                <a:latin typeface="BM DoHyeon OTF" panose="020B0600000101010101" pitchFamily="34" charset="-127"/>
+                <a:ea typeface="BM DoHyeon OTF" panose="020B0600000101010101" pitchFamily="34" charset="-127"/>
+              </a:rPr>
+              <a:t>번까지의 결과를 바탕으로 결론 도출</a:t>
+            </a:r>
+            <a:endParaRPr lang="ko-KR" altLang="en-US" sz="1400" dirty="0">
+              <a:solidFill>
+                <a:srgbClr val="002060"/>
+              </a:solidFill>
+            </a:endParaRPr>
+          </a:p>
+        </p:txBody>
+      </p:sp>
+      <p:sp>
+        <p:nvSpPr>
+          <p:cNvPr id="29" name="TextBox 28">
+            <a:extLst>
+              <a:ext uri="{FF2B5EF4-FFF2-40B4-BE49-F238E27FC236}">
+                <a16:creationId xmlns:a16="http://schemas.microsoft.com/office/drawing/2014/main" id="{D6D941F8-AC13-C988-47FD-BBCE128BD41C}"/>
+              </a:ext>
+            </a:extLst>
+          </p:cNvPr>
+          <p:cNvSpPr txBox="1"/>
+          <p:nvPr/>
+        </p:nvSpPr>
+        <p:spPr>
+          <a:xfrm>
+            <a:off x="1433492" y="5968161"/>
+            <a:ext cx="9116411" cy="473206"/>
+          </a:xfrm>
+          <a:prstGeom prst="rect">
+            <a:avLst/>
+          </a:prstGeom>
+          <a:noFill/>
+        </p:spPr>
+        <p:txBody>
+          <a:bodyPr wrap="square">
+            <a:spAutoFit/>
+          </a:bodyPr>
+          <a:lstStyle/>
+          <a:p>
+            <a:pPr>
+              <a:lnSpc>
+                <a:spcPct val="150000"/>
+              </a:lnSpc>
+            </a:pPr>
+            <a:r>
+              <a:rPr kumimoji="1" lang="en-US" altLang="ko-KR" sz="1800" dirty="0">
+                <a:solidFill>
+                  <a:schemeClr val="accent6">
+                    <a:lumMod val="75000"/>
+                  </a:schemeClr>
+                </a:solidFill>
+                <a:latin typeface="BM DoHyeon OTF" panose="020B0600000101010101" pitchFamily="34" charset="-127"/>
+                <a:ea typeface="BM DoHyeon OTF" panose="020B0600000101010101" pitchFamily="34" charset="-127"/>
+              </a:rPr>
+              <a:t>Q . </a:t>
+            </a:r>
+            <a:r>
+              <a:rPr kumimoji="1" lang="ko-KR" altLang="en-US" sz="1800" dirty="0">
+                <a:solidFill>
+                  <a:schemeClr val="accent6">
+                    <a:lumMod val="75000"/>
+                  </a:schemeClr>
+                </a:solidFill>
+                <a:latin typeface="BM DoHyeon OTF" panose="020B0600000101010101" pitchFamily="34" charset="-127"/>
+                <a:ea typeface="BM DoHyeon OTF" panose="020B0600000101010101" pitchFamily="34" charset="-127"/>
+              </a:rPr>
+              <a:t>현재 음식점 창업을 위해 어떤 업종을 잡고</a:t>
+            </a:r>
+            <a:r>
+              <a:rPr kumimoji="1" lang="en-US" altLang="ko-KR" dirty="0">
+                <a:solidFill>
+                  <a:schemeClr val="accent6">
+                    <a:lumMod val="75000"/>
+                  </a:schemeClr>
+                </a:solidFill>
+                <a:latin typeface="BM DoHyeon OTF" panose="020B0600000101010101" pitchFamily="34" charset="-127"/>
+                <a:ea typeface="BM DoHyeon OTF" panose="020B0600000101010101" pitchFamily="34" charset="-127"/>
+              </a:rPr>
+              <a:t> </a:t>
+            </a:r>
+            <a:r>
+              <a:rPr kumimoji="1" lang="ko-KR" altLang="en-US" sz="1800" dirty="0">
+                <a:solidFill>
+                  <a:schemeClr val="accent6">
+                    <a:lumMod val="75000"/>
+                  </a:schemeClr>
+                </a:solidFill>
+                <a:latin typeface="BM DoHyeon OTF" panose="020B0600000101010101" pitchFamily="34" charset="-127"/>
+                <a:ea typeface="BM DoHyeon OTF" panose="020B0600000101010101" pitchFamily="34" charset="-127"/>
+              </a:rPr>
+              <a:t>주 타겟층을 어떻게 잡으면 되는가</a:t>
+            </a:r>
+            <a:r>
+              <a:rPr kumimoji="1" lang="en-US" altLang="ko-KR" sz="1800" dirty="0">
+                <a:solidFill>
+                  <a:schemeClr val="accent6">
+                    <a:lumMod val="75000"/>
+                  </a:schemeClr>
+                </a:solidFill>
+                <a:latin typeface="BM DoHyeon OTF" panose="020B0600000101010101" pitchFamily="34" charset="-127"/>
+                <a:ea typeface="BM DoHyeon OTF" panose="020B0600000101010101" pitchFamily="34" charset="-127"/>
+              </a:rPr>
+              <a:t>?</a:t>
+            </a:r>
+          </a:p>
+        </p:txBody>
+      </p:sp>
+      <p:sp>
+        <p:nvSpPr>
+          <p:cNvPr id="32" name="삼각형 31">
+            <a:extLst>
+              <a:ext uri="{FF2B5EF4-FFF2-40B4-BE49-F238E27FC236}">
+                <a16:creationId xmlns:a16="http://schemas.microsoft.com/office/drawing/2014/main" id="{A2353C06-F3FE-E7FF-2140-62B92EE42D9A}"/>
+              </a:ext>
+            </a:extLst>
+          </p:cNvPr>
+          <p:cNvSpPr/>
+          <p:nvPr/>
+        </p:nvSpPr>
+        <p:spPr>
+          <a:xfrm rot="10800000">
+            <a:off x="5502166" y="5416675"/>
+            <a:ext cx="378372" cy="326183"/>
+          </a:xfrm>
+          <a:prstGeom prst="triangle">
+            <a:avLst/>
+          </a:prstGeom>
+          <a:solidFill>
+            <a:srgbClr val="002060"/>
+          </a:solidFill>
+        </p:spPr>
+        <p:style>
+          <a:lnRef idx="2">
+            <a:schemeClr val="accent1">
+              <a:shade val="50000"/>
+            </a:schemeClr>
+          </a:lnRef>
+          <a:fillRef idx="1">
+            <a:schemeClr val="accent1"/>
+          </a:fillRef>
+          <a:effectRef idx="0">
+            <a:schemeClr val="accent1"/>
+          </a:effectRef>
+          <a:fontRef idx="minor">
+            <a:schemeClr val="lt1"/>
+          </a:fontRef>
+        </p:style>
+        <p:txBody>
+          <a:bodyPr rtlCol="0" anchor="ctr"/>
+          <a:lstStyle/>
+          <a:p>
+            <a:pPr algn="ctr"/>
+            <a:endParaRPr kumimoji="1" lang="ko-KR" altLang="en-US"/>
+          </a:p>
+        </p:txBody>
+      </p:sp>
     </p:spTree>
     <p:extLst>
       <p:ext uri="{BB962C8B-B14F-4D97-AF65-F5344CB8AC3E}">
@@ -5960,6 +6738,64 @@
       </p:sp>
       <p:sp>
         <p:nvSpPr>
+          <p:cNvPr id="2" name="모서리가 둥근 직사각형 1">
+            <a:extLst>
+              <a:ext uri="{FF2B5EF4-FFF2-40B4-BE49-F238E27FC236}">
+                <a16:creationId xmlns:a16="http://schemas.microsoft.com/office/drawing/2014/main" id="{82B716A1-FFD5-CB02-B49F-DE2B627731EC}"/>
+              </a:ext>
+            </a:extLst>
+          </p:cNvPr>
+          <p:cNvSpPr/>
+          <p:nvPr/>
+        </p:nvSpPr>
+        <p:spPr>
+          <a:xfrm>
+            <a:off x="252248" y="1591391"/>
+            <a:ext cx="11808373" cy="4256689"/>
+          </a:xfrm>
+          <a:prstGeom prst="roundRect">
+            <a:avLst/>
+          </a:prstGeom>
+          <a:solidFill>
+            <a:schemeClr val="accent6">
+              <a:lumMod val="50000"/>
+            </a:schemeClr>
+          </a:solidFill>
+          <a:ln>
+            <a:solidFill>
+              <a:schemeClr val="accent6">
+                <a:lumMod val="50000"/>
+              </a:schemeClr>
+            </a:solidFill>
+          </a:ln>
+        </p:spPr>
+        <p:style>
+          <a:lnRef idx="2">
+            <a:schemeClr val="accent1">
+              <a:shade val="50000"/>
+            </a:schemeClr>
+          </a:lnRef>
+          <a:fillRef idx="1">
+            <a:schemeClr val="accent1"/>
+          </a:fillRef>
+          <a:effectRef idx="0">
+            <a:schemeClr val="accent1"/>
+          </a:effectRef>
+          <a:fontRef idx="minor">
+            <a:schemeClr val="lt1"/>
+          </a:fontRef>
+        </p:style>
+        <p:txBody>
+          <a:bodyPr rtlCol="0" anchor="ctr"/>
+          <a:lstStyle/>
+          <a:p>
+            <a:pPr algn="ctr"/>
+            <a:endParaRPr kumimoji="1" lang="ko-KR" altLang="en-US"/>
+          </a:p>
+        </p:txBody>
+      </p:sp>
+      <p:sp>
+        <p:nvSpPr>
           <p:cNvPr id="5" name="TextBox 4">
             <a:extLst>
               <a:ext uri="{FF2B5EF4-FFF2-40B4-BE49-F238E27FC236}">
@@ -6024,7 +6860,7 @@
         </p:nvSpPr>
         <p:spPr>
           <a:xfrm>
-            <a:off x="509107" y="1343104"/>
+            <a:off x="509107" y="2152191"/>
             <a:ext cx="4939173" cy="400110"/>
           </a:xfrm>
           <a:prstGeom prst="rect">
@@ -6041,9 +6877,7 @@
             <a:r>
               <a:rPr kumimoji="1" lang="ko-KR" altLang="en-US" sz="2000" dirty="0">
                 <a:solidFill>
-                  <a:schemeClr val="accent6">
-                    <a:lumMod val="75000"/>
-                  </a:schemeClr>
+                  <a:schemeClr val="bg1"/>
                 </a:solidFill>
                 <a:latin typeface="BM DoHyeon OTF" panose="020B0600000101010101" pitchFamily="34" charset="-127"/>
                 <a:ea typeface="BM DoHyeon OTF" panose="020B0600000101010101" pitchFamily="34" charset="-127"/>
@@ -6053,9 +6887,7 @@
             <a:r>
               <a:rPr kumimoji="1" lang="en-US" altLang="ko-KR" sz="2000" dirty="0">
                 <a:solidFill>
-                  <a:schemeClr val="accent6">
-                    <a:lumMod val="75000"/>
-                  </a:schemeClr>
+                  <a:schemeClr val="bg1"/>
                 </a:solidFill>
                 <a:latin typeface="BM DoHyeon OTF" panose="020B0600000101010101" pitchFamily="34" charset="-127"/>
                 <a:ea typeface="BM DoHyeon OTF" panose="020B0600000101010101" pitchFamily="34" charset="-127"/>
@@ -6065,9 +6897,7 @@
             <a:r>
               <a:rPr kumimoji="1" lang="ko-KR" altLang="en-US" sz="2000" dirty="0">
                 <a:solidFill>
-                  <a:schemeClr val="accent6">
-                    <a:lumMod val="75000"/>
-                  </a:schemeClr>
+                  <a:schemeClr val="bg1"/>
                 </a:solidFill>
                 <a:latin typeface="BM DoHyeon OTF" panose="020B0600000101010101" pitchFamily="34" charset="-127"/>
                 <a:ea typeface="BM DoHyeon OTF" panose="020B0600000101010101" pitchFamily="34" charset="-127"/>
@@ -6076,9 +6906,7 @@
             </a:r>
             <a:endParaRPr kumimoji="1" lang="en-US" altLang="ko-KR" sz="2000" dirty="0">
               <a:solidFill>
-                <a:schemeClr val="accent6">
-                  <a:lumMod val="75000"/>
-                </a:schemeClr>
+                <a:schemeClr val="bg1"/>
               </a:solidFill>
               <a:latin typeface="BM DoHyeon OTF" panose="020B0600000101010101" pitchFamily="34" charset="-127"/>
               <a:ea typeface="BM DoHyeon OTF" panose="020B0600000101010101" pitchFamily="34" charset="-127"/>
@@ -6141,8 +6969,8 @@
         </p:nvSpPr>
         <p:spPr>
           <a:xfrm>
-            <a:off x="8706624" y="1343104"/>
-            <a:ext cx="716863" cy="400110"/>
+            <a:off x="8706624" y="2152191"/>
+            <a:ext cx="558166" cy="307777"/>
           </a:xfrm>
           <a:prstGeom prst="rect">
             <a:avLst/>
@@ -6156,11 +6984,9 @@
           <a:lstStyle/>
           <a:p>
             <a:r>
-              <a:rPr kumimoji="1" lang="en-US" altLang="ko-KR" sz="2000" dirty="0">
-                <a:solidFill>
-                  <a:schemeClr val="accent6">
-                    <a:lumMod val="75000"/>
-                  </a:schemeClr>
+              <a:rPr kumimoji="1" lang="en-US" altLang="ko-KR" sz="1400" dirty="0">
+                <a:solidFill>
+                  <a:schemeClr val="bg1"/>
                 </a:solidFill>
                 <a:latin typeface="BM DoHyeon OTF" panose="020B0600000101010101" pitchFamily="34" charset="-127"/>
                 <a:ea typeface="BM DoHyeon OTF" panose="020B0600000101010101" pitchFamily="34" charset="-127"/>
@@ -6184,7 +7010,7 @@
         </p:nvSpPr>
         <p:spPr>
           <a:xfrm>
-            <a:off x="509107" y="2145815"/>
+            <a:off x="509107" y="2954902"/>
             <a:ext cx="4692310" cy="400110"/>
           </a:xfrm>
           <a:prstGeom prst="rect">
@@ -6201,9 +7027,7 @@
             <a:r>
               <a:rPr kumimoji="1" lang="ko-KR" altLang="en-US" sz="2000" dirty="0">
                 <a:solidFill>
-                  <a:schemeClr val="accent6">
-                    <a:lumMod val="75000"/>
-                  </a:schemeClr>
+                  <a:schemeClr val="bg1"/>
                 </a:solidFill>
                 <a:latin typeface="BM DoHyeon OTF" panose="020B0600000101010101" pitchFamily="34" charset="-127"/>
                 <a:ea typeface="BM DoHyeon OTF" panose="020B0600000101010101" pitchFamily="34" charset="-127"/>
@@ -6213,9 +7037,7 @@
             <a:r>
               <a:rPr kumimoji="1" lang="en-US" altLang="ko-KR" sz="2000" dirty="0">
                 <a:solidFill>
-                  <a:schemeClr val="accent6">
-                    <a:lumMod val="75000"/>
-                  </a:schemeClr>
+                  <a:schemeClr val="bg1"/>
                 </a:solidFill>
                 <a:latin typeface="BM DoHyeon OTF" panose="020B0600000101010101" pitchFamily="34" charset="-127"/>
                 <a:ea typeface="BM DoHyeon OTF" panose="020B0600000101010101" pitchFamily="34" charset="-127"/>
@@ -6239,8 +7061,8 @@
         </p:nvSpPr>
         <p:spPr>
           <a:xfrm>
-            <a:off x="8706624" y="1988939"/>
-            <a:ext cx="1802096" cy="707886"/>
+            <a:off x="8706624" y="2779356"/>
+            <a:ext cx="1319592" cy="523220"/>
           </a:xfrm>
           <a:prstGeom prst="rect">
             <a:avLst/>
@@ -6254,11 +7076,9 @@
           <a:lstStyle/>
           <a:p>
             <a:r>
-              <a:rPr kumimoji="1" lang="en-US" altLang="ko-KR" sz="2000" dirty="0">
-                <a:solidFill>
-                  <a:schemeClr val="accent6">
-                    <a:lumMod val="75000"/>
-                  </a:schemeClr>
+              <a:rPr kumimoji="1" lang="en-US" altLang="ko-KR" sz="1400" dirty="0">
+                <a:solidFill>
+                  <a:schemeClr val="bg1"/>
                 </a:solidFill>
                 <a:latin typeface="BM DoHyeon OTF" panose="020B0600000101010101" pitchFamily="34" charset="-127"/>
                 <a:ea typeface="BM DoHyeon OTF" panose="020B0600000101010101" pitchFamily="34" charset="-127"/>
@@ -6266,22 +7086,18 @@
               <a:t>1.</a:t>
             </a:r>
             <a:r>
-              <a:rPr kumimoji="1" lang="ko-KR" altLang="en-US" sz="2000" dirty="0">
-                <a:solidFill>
-                  <a:schemeClr val="accent6">
-                    <a:lumMod val="75000"/>
-                  </a:schemeClr>
+              <a:rPr kumimoji="1" lang="ko-KR" altLang="en-US" sz="1400" dirty="0">
+                <a:solidFill>
+                  <a:schemeClr val="bg1"/>
                 </a:solidFill>
                 <a:latin typeface="BM DoHyeon OTF" panose="020B0600000101010101" pitchFamily="34" charset="-127"/>
                 <a:ea typeface="BM DoHyeon OTF" panose="020B0600000101010101" pitchFamily="34" charset="-127"/>
               </a:rPr>
               <a:t> 주점</a:t>
             </a:r>
-            <a:endParaRPr kumimoji="1" lang="en-US" altLang="ko-KR" sz="2000" dirty="0">
+            <a:endParaRPr kumimoji="1" lang="en-US" altLang="ko-KR" sz="1400" dirty="0">
               <a:solidFill>
-                <a:schemeClr val="accent6">
-                  <a:lumMod val="75000"/>
-                </a:schemeClr>
+                <a:schemeClr val="bg1"/>
               </a:solidFill>
               <a:latin typeface="BM DoHyeon OTF" panose="020B0600000101010101" pitchFamily="34" charset="-127"/>
               <a:ea typeface="BM DoHyeon OTF" panose="020B0600000101010101" pitchFamily="34" charset="-127"/>
@@ -6289,11 +7105,9 @@
           </a:p>
           <a:p>
             <a:r>
-              <a:rPr kumimoji="1" lang="en-US" altLang="ko-KR" sz="2000" dirty="0">
-                <a:solidFill>
-                  <a:schemeClr val="accent6">
-                    <a:lumMod val="75000"/>
-                  </a:schemeClr>
+              <a:rPr kumimoji="1" lang="en-US" altLang="ko-KR" sz="1400" dirty="0">
+                <a:solidFill>
+                  <a:schemeClr val="bg1"/>
                 </a:solidFill>
                 <a:latin typeface="BM DoHyeon OTF" panose="020B0600000101010101" pitchFamily="34" charset="-127"/>
                 <a:ea typeface="BM DoHyeon OTF" panose="020B0600000101010101" pitchFamily="34" charset="-127"/>
@@ -6301,11 +7115,9 @@
               <a:t>2.</a:t>
             </a:r>
             <a:r>
-              <a:rPr kumimoji="1" lang="ko-KR" altLang="en-US" sz="2000" dirty="0">
-                <a:solidFill>
-                  <a:schemeClr val="accent6">
-                    <a:lumMod val="75000"/>
-                  </a:schemeClr>
+              <a:rPr kumimoji="1" lang="ko-KR" altLang="en-US" sz="1400" dirty="0">
+                <a:solidFill>
+                  <a:schemeClr val="bg1"/>
                 </a:solidFill>
                 <a:latin typeface="BM DoHyeon OTF" panose="020B0600000101010101" pitchFamily="34" charset="-127"/>
                 <a:ea typeface="BM DoHyeon OTF" panose="020B0600000101010101" pitchFamily="34" charset="-127"/>
@@ -6313,11 +7125,9 @@
               <a:t> </a:t>
             </a:r>
             <a:r>
-              <a:rPr kumimoji="1" lang="ko-KR" altLang="en-US" sz="2000" dirty="0" err="1">
-                <a:solidFill>
-                  <a:schemeClr val="accent6">
-                    <a:lumMod val="75000"/>
-                  </a:schemeClr>
+              <a:rPr kumimoji="1" lang="ko-KR" altLang="en-US" sz="1400" dirty="0" err="1">
+                <a:solidFill>
+                  <a:schemeClr val="bg1"/>
                 </a:solidFill>
                 <a:latin typeface="BM DoHyeon OTF" panose="020B0600000101010101" pitchFamily="34" charset="-127"/>
                 <a:ea typeface="BM DoHyeon OTF" panose="020B0600000101010101" pitchFamily="34" charset="-127"/>
@@ -6325,22 +7135,18 @@
               <a:t>카폐</a:t>
             </a:r>
             <a:r>
-              <a:rPr kumimoji="1" lang="ko-KR" altLang="en-US" sz="2000" dirty="0">
-                <a:solidFill>
-                  <a:schemeClr val="accent6">
-                    <a:lumMod val="75000"/>
-                  </a:schemeClr>
+              <a:rPr kumimoji="1" lang="ko-KR" altLang="en-US" sz="1400" dirty="0">
+                <a:solidFill>
+                  <a:schemeClr val="bg1"/>
                 </a:solidFill>
                 <a:latin typeface="BM DoHyeon OTF" panose="020B0600000101010101" pitchFamily="34" charset="-127"/>
                 <a:ea typeface="BM DoHyeon OTF" panose="020B0600000101010101" pitchFamily="34" charset="-127"/>
               </a:rPr>
               <a:t> 디저트</a:t>
             </a:r>
-            <a:endParaRPr kumimoji="1" lang="en-US" altLang="ko-KR" sz="2000" dirty="0">
+            <a:endParaRPr kumimoji="1" lang="en-US" altLang="ko-KR" sz="1400" dirty="0">
               <a:solidFill>
-                <a:schemeClr val="accent6">
-                  <a:lumMod val="75000"/>
-                </a:schemeClr>
+                <a:schemeClr val="bg1"/>
               </a:solidFill>
               <a:latin typeface="BM DoHyeon OTF" panose="020B0600000101010101" pitchFamily="34" charset="-127"/>
               <a:ea typeface="BM DoHyeon OTF" panose="020B0600000101010101" pitchFamily="34" charset="-127"/>
@@ -6350,10 +7156,10 @@
       </p:sp>
       <p:sp>
         <p:nvSpPr>
-          <p:cNvPr id="13" name="TextBox 12">
-            <a:extLst>
-              <a:ext uri="{FF2B5EF4-FFF2-40B4-BE49-F238E27FC236}">
-                <a16:creationId xmlns:a16="http://schemas.microsoft.com/office/drawing/2014/main" id="{DE82A46A-FF9E-209E-C113-B3E1D7CBCA1F}"/>
+          <p:cNvPr id="15" name="TextBox 14">
+            <a:extLst>
+              <a:ext uri="{FF2B5EF4-FFF2-40B4-BE49-F238E27FC236}">
+                <a16:creationId xmlns:a16="http://schemas.microsoft.com/office/drawing/2014/main" id="{74804879-669B-7413-22C2-A6DF2D8956CD}"/>
               </a:ext>
             </a:extLst>
           </p:cNvPr>
@@ -6362,184 +7168,7 @@
         </p:nvSpPr>
         <p:spPr>
           <a:xfrm>
-            <a:off x="509107" y="5620927"/>
-            <a:ext cx="4871847" cy="707886"/>
-          </a:xfrm>
-          <a:prstGeom prst="rect">
-            <a:avLst/>
-          </a:prstGeom>
-          <a:noFill/>
-        </p:spPr>
-        <p:txBody>
-          <a:bodyPr wrap="none" rtlCol="0">
-            <a:spAutoFit/>
-          </a:bodyPr>
-          <a:lstStyle/>
-          <a:p>
-            <a:r>
-              <a:rPr kumimoji="1" lang="ko-KR" altLang="en-US" sz="2000" dirty="0">
-                <a:solidFill>
-                  <a:schemeClr val="accent6">
-                    <a:lumMod val="75000"/>
-                  </a:schemeClr>
-                </a:solidFill>
-                <a:latin typeface="BM DoHyeon OTF" panose="020B0600000101010101" pitchFamily="34" charset="-127"/>
-                <a:ea typeface="BM DoHyeon OTF" panose="020B0600000101010101" pitchFamily="34" charset="-127"/>
-              </a:rPr>
-              <a:t>현재 음식점 창업을 위해 어떤 업종을 잡고</a:t>
-            </a:r>
-            <a:endParaRPr kumimoji="1" lang="en-US" altLang="ko-KR" sz="2000" dirty="0">
-              <a:solidFill>
-                <a:schemeClr val="accent6">
-                  <a:lumMod val="75000"/>
-                </a:schemeClr>
-              </a:solidFill>
-              <a:latin typeface="BM DoHyeon OTF" panose="020B0600000101010101" pitchFamily="34" charset="-127"/>
-              <a:ea typeface="BM DoHyeon OTF" panose="020B0600000101010101" pitchFamily="34" charset="-127"/>
-            </a:endParaRPr>
-          </a:p>
-          <a:p>
-            <a:r>
-              <a:rPr kumimoji="1" lang="ko-KR" altLang="en-US" sz="2000" dirty="0">
-                <a:solidFill>
-                  <a:schemeClr val="accent6">
-                    <a:lumMod val="75000"/>
-                  </a:schemeClr>
-                </a:solidFill>
-                <a:latin typeface="BM DoHyeon OTF" panose="020B0600000101010101" pitchFamily="34" charset="-127"/>
-                <a:ea typeface="BM DoHyeon OTF" panose="020B0600000101010101" pitchFamily="34" charset="-127"/>
-              </a:rPr>
-              <a:t>주 타겟층을 어떻게 잡으면 되는가</a:t>
-            </a:r>
-            <a:r>
-              <a:rPr kumimoji="1" lang="en-US" altLang="ko-KR" sz="2000" dirty="0">
-                <a:solidFill>
-                  <a:schemeClr val="accent6">
-                    <a:lumMod val="75000"/>
-                  </a:schemeClr>
-                </a:solidFill>
-                <a:latin typeface="BM DoHyeon OTF" panose="020B0600000101010101" pitchFamily="34" charset="-127"/>
-                <a:ea typeface="BM DoHyeon OTF" panose="020B0600000101010101" pitchFamily="34" charset="-127"/>
-              </a:rPr>
-              <a:t>?</a:t>
-            </a:r>
-          </a:p>
-        </p:txBody>
-      </p:sp>
-      <p:sp>
-        <p:nvSpPr>
-          <p:cNvPr id="14" name="TextBox 13">
-            <a:extLst>
-              <a:ext uri="{FF2B5EF4-FFF2-40B4-BE49-F238E27FC236}">
-                <a16:creationId xmlns:a16="http://schemas.microsoft.com/office/drawing/2014/main" id="{A8488CF2-C4AD-2087-8E5F-8411D7FB40B9}"/>
-              </a:ext>
-            </a:extLst>
-          </p:cNvPr>
-          <p:cNvSpPr txBox="1"/>
-          <p:nvPr/>
-        </p:nvSpPr>
-        <p:spPr>
-          <a:xfrm>
-            <a:off x="8706624" y="5731806"/>
-            <a:ext cx="1500732" cy="707886"/>
-          </a:xfrm>
-          <a:prstGeom prst="rect">
-            <a:avLst/>
-          </a:prstGeom>
-          <a:noFill/>
-        </p:spPr>
-        <p:txBody>
-          <a:bodyPr wrap="none" rtlCol="0">
-            <a:spAutoFit/>
-          </a:bodyPr>
-          <a:lstStyle/>
-          <a:p>
-            <a:r>
-              <a:rPr kumimoji="1" lang="ko-KR" altLang="en-US" sz="2000" dirty="0" err="1">
-                <a:solidFill>
-                  <a:schemeClr val="accent6">
-                    <a:lumMod val="75000"/>
-                  </a:schemeClr>
-                </a:solidFill>
-                <a:latin typeface="BM DoHyeon OTF" panose="020B0600000101010101" pitchFamily="34" charset="-127"/>
-                <a:ea typeface="BM DoHyeon OTF" panose="020B0600000101010101" pitchFamily="34" charset="-127"/>
-              </a:rPr>
-              <a:t>카폐</a:t>
-            </a:r>
-            <a:r>
-              <a:rPr kumimoji="1" lang="ko-KR" altLang="en-US" sz="2000" dirty="0">
-                <a:solidFill>
-                  <a:schemeClr val="accent6">
-                    <a:lumMod val="75000"/>
-                  </a:schemeClr>
-                </a:solidFill>
-                <a:latin typeface="BM DoHyeon OTF" panose="020B0600000101010101" pitchFamily="34" charset="-127"/>
-                <a:ea typeface="BM DoHyeon OTF" panose="020B0600000101010101" pitchFamily="34" charset="-127"/>
-              </a:rPr>
-              <a:t> 디저트</a:t>
-            </a:r>
-            <a:endParaRPr kumimoji="1" lang="en-US" altLang="ko-KR" sz="2000" dirty="0">
-              <a:solidFill>
-                <a:schemeClr val="accent6">
-                  <a:lumMod val="75000"/>
-                </a:schemeClr>
-              </a:solidFill>
-              <a:latin typeface="BM DoHyeon OTF" panose="020B0600000101010101" pitchFamily="34" charset="-127"/>
-              <a:ea typeface="BM DoHyeon OTF" panose="020B0600000101010101" pitchFamily="34" charset="-127"/>
-            </a:endParaRPr>
-          </a:p>
-          <a:p>
-            <a:r>
-              <a:rPr kumimoji="1" lang="en-US" altLang="ko-KR" sz="2000" dirty="0">
-                <a:solidFill>
-                  <a:schemeClr val="accent6">
-                    <a:lumMod val="75000"/>
-                  </a:schemeClr>
-                </a:solidFill>
-                <a:latin typeface="BM DoHyeon OTF" panose="020B0600000101010101" pitchFamily="34" charset="-127"/>
-                <a:ea typeface="BM DoHyeon OTF" panose="020B0600000101010101" pitchFamily="34" charset="-127"/>
-              </a:rPr>
-              <a:t>50</a:t>
-            </a:r>
-            <a:r>
-              <a:rPr kumimoji="1" lang="ko-KR" altLang="en-US" sz="2000" dirty="0">
-                <a:solidFill>
-                  <a:schemeClr val="accent6">
-                    <a:lumMod val="75000"/>
-                  </a:schemeClr>
-                </a:solidFill>
-                <a:latin typeface="BM DoHyeon OTF" panose="020B0600000101010101" pitchFamily="34" charset="-127"/>
-                <a:ea typeface="BM DoHyeon OTF" panose="020B0600000101010101" pitchFamily="34" charset="-127"/>
-              </a:rPr>
-              <a:t>대 여성</a:t>
-            </a:r>
-            <a:endParaRPr kumimoji="1" lang="en-US" altLang="ko-KR" sz="2000" dirty="0">
-              <a:solidFill>
-                <a:schemeClr val="accent6">
-                  <a:lumMod val="75000"/>
-                </a:schemeClr>
-              </a:solidFill>
-              <a:latin typeface="BM DoHyeon OTF" panose="020B0600000101010101" pitchFamily="34" charset="-127"/>
-              <a:ea typeface="BM DoHyeon OTF" panose="020B0600000101010101" pitchFamily="34" charset="-127"/>
-            </a:endParaRPr>
-          </a:p>
-        </p:txBody>
-      </p:sp>
-      <p:sp>
-        <p:nvSpPr>
-          <p:cNvPr id="15" name="TextBox 14">
-            <a:extLst>
-              <a:ext uri="{FF2B5EF4-FFF2-40B4-BE49-F238E27FC236}">
-                <a16:creationId xmlns:a16="http://schemas.microsoft.com/office/drawing/2014/main" id="{74804879-669B-7413-22C2-A6DF2D8956CD}"/>
-              </a:ext>
-            </a:extLst>
-          </p:cNvPr>
-          <p:cNvSpPr txBox="1"/>
-          <p:nvPr/>
-        </p:nvSpPr>
-        <p:spPr>
-          <a:xfrm>
-            <a:off x="509107" y="4366146"/>
+            <a:off x="509107" y="4798833"/>
             <a:ext cx="5102679" cy="400110"/>
           </a:xfrm>
           <a:prstGeom prst="rect">
@@ -6556,9 +7185,7 @@
             <a:r>
               <a:rPr kumimoji="1" lang="ko-KR" altLang="en-US" sz="2000" dirty="0">
                 <a:solidFill>
-                  <a:schemeClr val="accent6">
-                    <a:lumMod val="75000"/>
-                  </a:schemeClr>
+                  <a:schemeClr val="bg1"/>
                 </a:solidFill>
                 <a:latin typeface="BM DoHyeon OTF" panose="020B0600000101010101" pitchFamily="34" charset="-127"/>
                 <a:ea typeface="BM DoHyeon OTF" panose="020B0600000101010101" pitchFamily="34" charset="-127"/>
@@ -6568,9 +7195,7 @@
             <a:r>
               <a:rPr kumimoji="1" lang="en-US" altLang="ko-KR" sz="2000" dirty="0">
                 <a:solidFill>
-                  <a:schemeClr val="accent6">
-                    <a:lumMod val="75000"/>
-                  </a:schemeClr>
+                  <a:schemeClr val="bg1"/>
                 </a:solidFill>
                 <a:latin typeface="BM DoHyeon OTF" panose="020B0600000101010101" pitchFamily="34" charset="-127"/>
                 <a:ea typeface="BM DoHyeon OTF" panose="020B0600000101010101" pitchFamily="34" charset="-127"/>
@@ -6594,8 +7219,8 @@
         </p:nvSpPr>
         <p:spPr>
           <a:xfrm>
-            <a:off x="8706624" y="4057988"/>
-            <a:ext cx="2573140" cy="1015663"/>
+            <a:off x="8706624" y="4460279"/>
+            <a:ext cx="1861407" cy="738664"/>
           </a:xfrm>
           <a:prstGeom prst="rect">
             <a:avLst/>
@@ -6609,11 +7234,9 @@
           <a:lstStyle/>
           <a:p>
             <a:r>
-              <a:rPr kumimoji="1" lang="en-US" altLang="ko-KR" sz="2000" dirty="0">
-                <a:solidFill>
-                  <a:schemeClr val="accent6">
-                    <a:lumMod val="75000"/>
-                  </a:schemeClr>
+              <a:rPr kumimoji="1" lang="en-US" altLang="ko-KR" sz="1400" dirty="0">
+                <a:solidFill>
+                  <a:schemeClr val="bg1"/>
                 </a:solidFill>
                 <a:latin typeface="BM DoHyeon OTF" panose="020B0600000101010101" pitchFamily="34" charset="-127"/>
                 <a:ea typeface="BM DoHyeon OTF" panose="020B0600000101010101" pitchFamily="34" charset="-127"/>
@@ -6621,11 +7244,9 @@
               <a:t>4</a:t>
             </a:r>
             <a:r>
-              <a:rPr kumimoji="1" lang="ko-KR" altLang="en-US" sz="2000" dirty="0">
-                <a:solidFill>
-                  <a:schemeClr val="accent6">
-                    <a:lumMod val="75000"/>
-                  </a:schemeClr>
+              <a:rPr kumimoji="1" lang="ko-KR" altLang="en-US" sz="1400" dirty="0">
+                <a:solidFill>
+                  <a:schemeClr val="bg1"/>
                 </a:solidFill>
                 <a:latin typeface="BM DoHyeon OTF" panose="020B0600000101010101" pitchFamily="34" charset="-127"/>
                 <a:ea typeface="BM DoHyeon OTF" panose="020B0600000101010101" pitchFamily="34" charset="-127"/>
@@ -6633,11 +7254,9 @@
               <a:t>단계 </a:t>
             </a:r>
             <a:r>
-              <a:rPr kumimoji="1" lang="en-US" altLang="ko-KR" sz="2000" dirty="0">
-                <a:solidFill>
-                  <a:schemeClr val="accent6">
-                    <a:lumMod val="75000"/>
-                  </a:schemeClr>
+              <a:rPr kumimoji="1" lang="en-US" altLang="ko-KR" sz="1400" dirty="0">
+                <a:solidFill>
+                  <a:schemeClr val="bg1"/>
                 </a:solidFill>
                 <a:latin typeface="BM DoHyeon OTF" panose="020B0600000101010101" pitchFamily="34" charset="-127"/>
                 <a:ea typeface="BM DoHyeon OTF" panose="020B0600000101010101" pitchFamily="34" charset="-127"/>
@@ -6645,11 +7264,9 @@
               <a:t>:</a:t>
             </a:r>
             <a:r>
-              <a:rPr kumimoji="1" lang="ko-KR" altLang="en-US" sz="2000" dirty="0">
-                <a:solidFill>
-                  <a:schemeClr val="accent6">
-                    <a:lumMod val="75000"/>
-                  </a:schemeClr>
+              <a:rPr kumimoji="1" lang="ko-KR" altLang="en-US" sz="1400" dirty="0">
+                <a:solidFill>
+                  <a:schemeClr val="bg1"/>
                 </a:solidFill>
                 <a:latin typeface="BM DoHyeon OTF" panose="020B0600000101010101" pitchFamily="34" charset="-127"/>
                 <a:ea typeface="BM DoHyeon OTF" panose="020B0600000101010101" pitchFamily="34" charset="-127"/>
@@ -6657,11 +7274,9 @@
               <a:t> </a:t>
             </a:r>
             <a:r>
-              <a:rPr kumimoji="1" lang="en-US" altLang="ko-KR" sz="2000" dirty="0">
-                <a:solidFill>
-                  <a:schemeClr val="accent6">
-                    <a:lumMod val="75000"/>
-                  </a:schemeClr>
+              <a:rPr kumimoji="1" lang="en-US" altLang="ko-KR" sz="1400" dirty="0">
+                <a:solidFill>
+                  <a:schemeClr val="bg1"/>
                 </a:solidFill>
                 <a:latin typeface="BM DoHyeon OTF" panose="020B0600000101010101" pitchFamily="34" charset="-127"/>
                 <a:ea typeface="BM DoHyeon OTF" panose="020B0600000101010101" pitchFamily="34" charset="-127"/>
@@ -6669,22 +7284,18 @@
               <a:t>50</a:t>
             </a:r>
             <a:r>
-              <a:rPr kumimoji="1" lang="ko-KR" altLang="en-US" sz="2000" dirty="0">
-                <a:solidFill>
-                  <a:schemeClr val="accent6">
-                    <a:lumMod val="75000"/>
-                  </a:schemeClr>
+              <a:rPr kumimoji="1" lang="ko-KR" altLang="en-US" sz="1400" dirty="0">
+                <a:solidFill>
+                  <a:schemeClr val="bg1"/>
                 </a:solidFill>
                 <a:latin typeface="BM DoHyeon OTF" panose="020B0600000101010101" pitchFamily="34" charset="-127"/>
                 <a:ea typeface="BM DoHyeon OTF" panose="020B0600000101010101" pitchFamily="34" charset="-127"/>
               </a:rPr>
               <a:t>대 여성</a:t>
             </a:r>
-            <a:endParaRPr kumimoji="1" lang="en-US" altLang="ko-KR" sz="2000" dirty="0">
+            <a:endParaRPr kumimoji="1" lang="en-US" altLang="ko-KR" sz="1400" dirty="0">
               <a:solidFill>
-                <a:schemeClr val="accent6">
-                  <a:lumMod val="75000"/>
-                </a:schemeClr>
+                <a:schemeClr val="bg1"/>
               </a:solidFill>
               <a:latin typeface="BM DoHyeon OTF" panose="020B0600000101010101" pitchFamily="34" charset="-127"/>
               <a:ea typeface="BM DoHyeon OTF" panose="020B0600000101010101" pitchFamily="34" charset="-127"/>
@@ -6692,11 +7303,9 @@
           </a:p>
           <a:p>
             <a:r>
-              <a:rPr kumimoji="1" lang="ko-KR" altLang="en-US" sz="2000" dirty="0">
-                <a:solidFill>
-                  <a:schemeClr val="accent6">
-                    <a:lumMod val="75000"/>
-                  </a:schemeClr>
+              <a:rPr kumimoji="1" lang="ko-KR" altLang="en-US" sz="1400" dirty="0">
+                <a:solidFill>
+                  <a:schemeClr val="bg1"/>
                 </a:solidFill>
                 <a:latin typeface="BM DoHyeon OTF" panose="020B0600000101010101" pitchFamily="34" charset="-127"/>
                 <a:ea typeface="BM DoHyeon OTF" panose="020B0600000101010101" pitchFamily="34" charset="-127"/>
@@ -6704,11 +7313,9 @@
               <a:t>일상회복 </a:t>
             </a:r>
             <a:r>
-              <a:rPr kumimoji="1" lang="en-US" altLang="ko-KR" sz="2000" dirty="0">
-                <a:solidFill>
-                  <a:schemeClr val="accent6">
-                    <a:lumMod val="75000"/>
-                  </a:schemeClr>
+              <a:rPr kumimoji="1" lang="en-US" altLang="ko-KR" sz="1400" dirty="0">
+                <a:solidFill>
+                  <a:schemeClr val="bg1"/>
                 </a:solidFill>
                 <a:latin typeface="BM DoHyeon OTF" panose="020B0600000101010101" pitchFamily="34" charset="-127"/>
                 <a:ea typeface="BM DoHyeon OTF" panose="020B0600000101010101" pitchFamily="34" charset="-127"/>
@@ -6716,11 +7323,9 @@
               <a:t>:</a:t>
             </a:r>
             <a:r>
-              <a:rPr kumimoji="1" lang="ko-KR" altLang="en-US" sz="2000" dirty="0">
-                <a:solidFill>
-                  <a:schemeClr val="accent6">
-                    <a:lumMod val="75000"/>
-                  </a:schemeClr>
+              <a:rPr kumimoji="1" lang="ko-KR" altLang="en-US" sz="1400" dirty="0">
+                <a:solidFill>
+                  <a:schemeClr val="bg1"/>
                 </a:solidFill>
                 <a:latin typeface="BM DoHyeon OTF" panose="020B0600000101010101" pitchFamily="34" charset="-127"/>
                 <a:ea typeface="BM DoHyeon OTF" panose="020B0600000101010101" pitchFamily="34" charset="-127"/>
@@ -6728,11 +7333,9 @@
               <a:t> </a:t>
             </a:r>
             <a:r>
-              <a:rPr kumimoji="1" lang="en-US" altLang="ko-KR" sz="2000" dirty="0">
-                <a:solidFill>
-                  <a:schemeClr val="accent6">
-                    <a:lumMod val="75000"/>
-                  </a:schemeClr>
+              <a:rPr kumimoji="1" lang="en-US" altLang="ko-KR" sz="1400" dirty="0">
+                <a:solidFill>
+                  <a:schemeClr val="bg1"/>
                 </a:solidFill>
                 <a:latin typeface="BM DoHyeon OTF" panose="020B0600000101010101" pitchFamily="34" charset="-127"/>
                 <a:ea typeface="BM DoHyeon OTF" panose="020B0600000101010101" pitchFamily="34" charset="-127"/>
@@ -6740,22 +7343,18 @@
               <a:t>50</a:t>
             </a:r>
             <a:r>
-              <a:rPr kumimoji="1" lang="ko-KR" altLang="en-US" sz="2000" dirty="0">
-                <a:solidFill>
-                  <a:schemeClr val="accent6">
-                    <a:lumMod val="75000"/>
-                  </a:schemeClr>
+              <a:rPr kumimoji="1" lang="ko-KR" altLang="en-US" sz="1400" dirty="0">
+                <a:solidFill>
+                  <a:schemeClr val="bg1"/>
                 </a:solidFill>
                 <a:latin typeface="BM DoHyeon OTF" panose="020B0600000101010101" pitchFamily="34" charset="-127"/>
                 <a:ea typeface="BM DoHyeon OTF" panose="020B0600000101010101" pitchFamily="34" charset="-127"/>
               </a:rPr>
               <a:t>대 여성</a:t>
             </a:r>
-            <a:endParaRPr kumimoji="1" lang="en-US" altLang="ko-KR" sz="2000" dirty="0">
+            <a:endParaRPr kumimoji="1" lang="en-US" altLang="ko-KR" sz="1400" dirty="0">
               <a:solidFill>
-                <a:schemeClr val="accent6">
-                  <a:lumMod val="75000"/>
-                </a:schemeClr>
+                <a:schemeClr val="bg1"/>
               </a:solidFill>
               <a:latin typeface="BM DoHyeon OTF" panose="020B0600000101010101" pitchFamily="34" charset="-127"/>
               <a:ea typeface="BM DoHyeon OTF" panose="020B0600000101010101" pitchFamily="34" charset="-127"/>
@@ -6763,11 +7362,9 @@
           </a:p>
           <a:p>
             <a:r>
-              <a:rPr kumimoji="1" lang="ko-KR" altLang="en-US" sz="2000" dirty="0">
-                <a:solidFill>
-                  <a:schemeClr val="accent6">
-                    <a:lumMod val="75000"/>
-                  </a:schemeClr>
+              <a:rPr kumimoji="1" lang="ko-KR" altLang="en-US" sz="1400" dirty="0">
+                <a:solidFill>
+                  <a:schemeClr val="bg1"/>
                 </a:solidFill>
                 <a:latin typeface="BM DoHyeon OTF" panose="020B0600000101010101" pitchFamily="34" charset="-127"/>
                 <a:ea typeface="BM DoHyeon OTF" panose="020B0600000101010101" pitchFamily="34" charset="-127"/>
@@ -6775,11 +7372,9 @@
               <a:t>해제 </a:t>
             </a:r>
             <a:r>
-              <a:rPr kumimoji="1" lang="en-US" altLang="ko-KR" sz="2000" dirty="0">
-                <a:solidFill>
-                  <a:schemeClr val="accent6">
-                    <a:lumMod val="75000"/>
-                  </a:schemeClr>
+              <a:rPr kumimoji="1" lang="en-US" altLang="ko-KR" sz="1400" dirty="0">
+                <a:solidFill>
+                  <a:schemeClr val="bg1"/>
                 </a:solidFill>
                 <a:latin typeface="BM DoHyeon OTF" panose="020B0600000101010101" pitchFamily="34" charset="-127"/>
                 <a:ea typeface="BM DoHyeon OTF" panose="020B0600000101010101" pitchFamily="34" charset="-127"/>
@@ -6787,11 +7382,9 @@
               <a:t>:</a:t>
             </a:r>
             <a:r>
-              <a:rPr kumimoji="1" lang="ko-KR" altLang="en-US" sz="2000" dirty="0">
-                <a:solidFill>
-                  <a:schemeClr val="accent6">
-                    <a:lumMod val="75000"/>
-                  </a:schemeClr>
+              <a:rPr kumimoji="1" lang="ko-KR" altLang="en-US" sz="1400" dirty="0">
+                <a:solidFill>
+                  <a:schemeClr val="bg1"/>
                 </a:solidFill>
                 <a:latin typeface="BM DoHyeon OTF" panose="020B0600000101010101" pitchFamily="34" charset="-127"/>
                 <a:ea typeface="BM DoHyeon OTF" panose="020B0600000101010101" pitchFamily="34" charset="-127"/>
@@ -6799,11 +7392,9 @@
               <a:t> </a:t>
             </a:r>
             <a:r>
-              <a:rPr kumimoji="1" lang="en-US" altLang="ko-KR" sz="2000" dirty="0">
-                <a:solidFill>
-                  <a:schemeClr val="accent6">
-                    <a:lumMod val="75000"/>
-                  </a:schemeClr>
+              <a:rPr kumimoji="1" lang="en-US" altLang="ko-KR" sz="1400" dirty="0">
+                <a:solidFill>
+                  <a:schemeClr val="bg1"/>
                 </a:solidFill>
                 <a:latin typeface="BM DoHyeon OTF" panose="020B0600000101010101" pitchFamily="34" charset="-127"/>
                 <a:ea typeface="BM DoHyeon OTF" panose="020B0600000101010101" pitchFamily="34" charset="-127"/>
@@ -6811,22 +7402,18 @@
               <a:t>50</a:t>
             </a:r>
             <a:r>
-              <a:rPr kumimoji="1" lang="ko-KR" altLang="en-US" sz="2000" dirty="0">
-                <a:solidFill>
-                  <a:schemeClr val="accent6">
-                    <a:lumMod val="75000"/>
-                  </a:schemeClr>
+              <a:rPr kumimoji="1" lang="ko-KR" altLang="en-US" sz="1400" dirty="0">
+                <a:solidFill>
+                  <a:schemeClr val="bg1"/>
                 </a:solidFill>
                 <a:latin typeface="BM DoHyeon OTF" panose="020B0600000101010101" pitchFamily="34" charset="-127"/>
                 <a:ea typeface="BM DoHyeon OTF" panose="020B0600000101010101" pitchFamily="34" charset="-127"/>
               </a:rPr>
               <a:t>대 여성</a:t>
             </a:r>
-            <a:endParaRPr kumimoji="1" lang="en-US" altLang="ko-KR" sz="2000" dirty="0">
+            <a:endParaRPr kumimoji="1" lang="en-US" altLang="ko-KR" sz="1400" dirty="0">
               <a:solidFill>
-                <a:schemeClr val="accent6">
-                  <a:lumMod val="75000"/>
-                </a:schemeClr>
+                <a:schemeClr val="bg1"/>
               </a:solidFill>
               <a:latin typeface="BM DoHyeon OTF" panose="020B0600000101010101" pitchFamily="34" charset="-127"/>
               <a:ea typeface="BM DoHyeon OTF" panose="020B0600000101010101" pitchFamily="34" charset="-127"/>
@@ -6848,7 +7435,7 @@
         </p:nvSpPr>
         <p:spPr>
           <a:xfrm>
-            <a:off x="509107" y="3111365"/>
+            <a:off x="509107" y="3920452"/>
             <a:ext cx="4198585" cy="400110"/>
           </a:xfrm>
           <a:prstGeom prst="rect">
@@ -6865,9 +7452,7 @@
             <a:r>
               <a:rPr kumimoji="1" lang="ko-KR" altLang="en-US" sz="2000" dirty="0">
                 <a:solidFill>
-                  <a:schemeClr val="accent6">
-                    <a:lumMod val="75000"/>
-                  </a:schemeClr>
+                  <a:schemeClr val="bg1"/>
                 </a:solidFill>
                 <a:latin typeface="BM DoHyeon OTF" panose="020B0600000101010101" pitchFamily="34" charset="-127"/>
                 <a:ea typeface="BM DoHyeon OTF" panose="020B0600000101010101" pitchFamily="34" charset="-127"/>
@@ -6877,9 +7462,7 @@
             <a:r>
               <a:rPr kumimoji="1" lang="en-US" altLang="ko-KR" sz="2000" dirty="0">
                 <a:solidFill>
-                  <a:schemeClr val="accent6">
-                    <a:lumMod val="75000"/>
-                  </a:schemeClr>
+                  <a:schemeClr val="bg1"/>
                 </a:solidFill>
                 <a:latin typeface="BM DoHyeon OTF" panose="020B0600000101010101" pitchFamily="34" charset="-127"/>
                 <a:ea typeface="BM DoHyeon OTF" panose="020B0600000101010101" pitchFamily="34" charset="-127"/>
@@ -6903,8 +7486,8 @@
         </p:nvSpPr>
         <p:spPr>
           <a:xfrm>
-            <a:off x="8706624" y="2987262"/>
-            <a:ext cx="2983509" cy="707886"/>
+            <a:off x="8706624" y="3719735"/>
+            <a:ext cx="2092239" cy="523220"/>
           </a:xfrm>
           <a:prstGeom prst="rect">
             <a:avLst/>
@@ -6918,11 +7501,9 @@
           <a:lstStyle/>
           <a:p>
             <a:r>
-              <a:rPr kumimoji="1" lang="ko-KR" altLang="en-US" sz="2000" dirty="0">
-                <a:solidFill>
-                  <a:schemeClr val="accent6">
-                    <a:lumMod val="75000"/>
-                  </a:schemeClr>
+              <a:rPr kumimoji="1" lang="ko-KR" altLang="en-US" sz="1400" dirty="0">
+                <a:solidFill>
+                  <a:schemeClr val="bg1"/>
                 </a:solidFill>
                 <a:latin typeface="BM DoHyeon OTF" panose="020B0600000101010101" pitchFamily="34" charset="-127"/>
                 <a:ea typeface="BM DoHyeon OTF" panose="020B0600000101010101" pitchFamily="34" charset="-127"/>
@@ -6930,11 +7511,9 @@
               <a:t>주점 </a:t>
             </a:r>
             <a:r>
-              <a:rPr kumimoji="1" lang="en-US" altLang="ko-KR" sz="2000" dirty="0">
-                <a:solidFill>
-                  <a:schemeClr val="accent6">
-                    <a:lumMod val="75000"/>
-                  </a:schemeClr>
+              <a:rPr kumimoji="1" lang="en-US" altLang="ko-KR" sz="1400" dirty="0">
+                <a:solidFill>
+                  <a:schemeClr val="bg1"/>
                 </a:solidFill>
                 <a:latin typeface="BM DoHyeon OTF" panose="020B0600000101010101" pitchFamily="34" charset="-127"/>
                 <a:ea typeface="BM DoHyeon OTF" panose="020B0600000101010101" pitchFamily="34" charset="-127"/>
@@ -6942,11 +7521,9 @@
               <a:t>:</a:t>
             </a:r>
             <a:r>
-              <a:rPr kumimoji="1" lang="ko-KR" altLang="en-US" sz="2000" dirty="0">
-                <a:solidFill>
-                  <a:schemeClr val="accent6">
-                    <a:lumMod val="75000"/>
-                  </a:schemeClr>
+              <a:rPr kumimoji="1" lang="ko-KR" altLang="en-US" sz="1400" dirty="0">
+                <a:solidFill>
+                  <a:schemeClr val="bg1"/>
                 </a:solidFill>
                 <a:latin typeface="BM DoHyeon OTF" panose="020B0600000101010101" pitchFamily="34" charset="-127"/>
                 <a:ea typeface="BM DoHyeon OTF" panose="020B0600000101010101" pitchFamily="34" charset="-127"/>
@@ -6954,11 +7531,9 @@
               <a:t> </a:t>
             </a:r>
             <a:r>
-              <a:rPr kumimoji="1" lang="en-US" altLang="ko-KR" sz="2000" dirty="0">
-                <a:solidFill>
-                  <a:schemeClr val="accent6">
-                    <a:lumMod val="75000"/>
-                  </a:schemeClr>
+              <a:rPr kumimoji="1" lang="en-US" altLang="ko-KR" sz="1400" dirty="0">
+                <a:solidFill>
+                  <a:schemeClr val="bg1"/>
                 </a:solidFill>
                 <a:latin typeface="BM DoHyeon OTF" panose="020B0600000101010101" pitchFamily="34" charset="-127"/>
                 <a:ea typeface="BM DoHyeon OTF" panose="020B0600000101010101" pitchFamily="34" charset="-127"/>
@@ -6966,22 +7541,18 @@
               <a:t>20</a:t>
             </a:r>
             <a:r>
-              <a:rPr kumimoji="1" lang="ko-KR" altLang="en-US" sz="2000" dirty="0">
-                <a:solidFill>
-                  <a:schemeClr val="accent6">
-                    <a:lumMod val="75000"/>
-                  </a:schemeClr>
+              <a:rPr kumimoji="1" lang="ko-KR" altLang="en-US" sz="1400" dirty="0">
+                <a:solidFill>
+                  <a:schemeClr val="bg1"/>
                 </a:solidFill>
                 <a:latin typeface="BM DoHyeon OTF" panose="020B0600000101010101" pitchFamily="34" charset="-127"/>
                 <a:ea typeface="BM DoHyeon OTF" panose="020B0600000101010101" pitchFamily="34" charset="-127"/>
               </a:rPr>
               <a:t>대 여성</a:t>
             </a:r>
-            <a:endParaRPr kumimoji="1" lang="en-US" altLang="ko-KR" sz="2000" dirty="0">
+            <a:endParaRPr kumimoji="1" lang="en-US" altLang="ko-KR" sz="1400" dirty="0">
               <a:solidFill>
-                <a:schemeClr val="accent6">
-                  <a:lumMod val="75000"/>
-                </a:schemeClr>
+                <a:schemeClr val="bg1"/>
               </a:solidFill>
               <a:latin typeface="BM DoHyeon OTF" panose="020B0600000101010101" pitchFamily="34" charset="-127"/>
               <a:ea typeface="BM DoHyeon OTF" panose="020B0600000101010101" pitchFamily="34" charset="-127"/>
@@ -6989,11 +7560,9 @@
           </a:p>
           <a:p>
             <a:r>
-              <a:rPr kumimoji="1" lang="ko-KR" altLang="en-US" sz="2000" dirty="0" err="1">
-                <a:solidFill>
-                  <a:schemeClr val="accent6">
-                    <a:lumMod val="75000"/>
-                  </a:schemeClr>
+              <a:rPr kumimoji="1" lang="ko-KR" altLang="en-US" sz="1400" dirty="0" err="1">
+                <a:solidFill>
+                  <a:schemeClr val="bg1"/>
                 </a:solidFill>
                 <a:latin typeface="BM DoHyeon OTF" panose="020B0600000101010101" pitchFamily="34" charset="-127"/>
                 <a:ea typeface="BM DoHyeon OTF" panose="020B0600000101010101" pitchFamily="34" charset="-127"/>
@@ -7001,11 +7570,9 @@
               <a:t>카폐</a:t>
             </a:r>
             <a:r>
-              <a:rPr kumimoji="1" lang="ko-KR" altLang="en-US" sz="2000" dirty="0">
-                <a:solidFill>
-                  <a:schemeClr val="accent6">
-                    <a:lumMod val="75000"/>
-                  </a:schemeClr>
+              <a:rPr kumimoji="1" lang="ko-KR" altLang="en-US" sz="1400" dirty="0">
+                <a:solidFill>
+                  <a:schemeClr val="bg1"/>
                 </a:solidFill>
                 <a:latin typeface="BM DoHyeon OTF" panose="020B0600000101010101" pitchFamily="34" charset="-127"/>
                 <a:ea typeface="BM DoHyeon OTF" panose="020B0600000101010101" pitchFamily="34" charset="-127"/>
@@ -7013,11 +7580,9 @@
               <a:t> 디저트 </a:t>
             </a:r>
             <a:r>
-              <a:rPr kumimoji="1" lang="en-US" altLang="ko-KR" sz="2000" dirty="0">
-                <a:solidFill>
-                  <a:schemeClr val="accent6">
-                    <a:lumMod val="75000"/>
-                  </a:schemeClr>
+              <a:rPr kumimoji="1" lang="en-US" altLang="ko-KR" sz="1400" dirty="0">
+                <a:solidFill>
+                  <a:schemeClr val="bg1"/>
                 </a:solidFill>
                 <a:latin typeface="BM DoHyeon OTF" panose="020B0600000101010101" pitchFamily="34" charset="-127"/>
                 <a:ea typeface="BM DoHyeon OTF" panose="020B0600000101010101" pitchFamily="34" charset="-127"/>
@@ -7025,11 +7590,9 @@
               <a:t>:</a:t>
             </a:r>
             <a:r>
-              <a:rPr kumimoji="1" lang="ko-KR" altLang="en-US" sz="2000" dirty="0">
-                <a:solidFill>
-                  <a:schemeClr val="accent6">
-                    <a:lumMod val="75000"/>
-                  </a:schemeClr>
+              <a:rPr kumimoji="1" lang="ko-KR" altLang="en-US" sz="1400" dirty="0">
+                <a:solidFill>
+                  <a:schemeClr val="bg1"/>
                 </a:solidFill>
                 <a:latin typeface="BM DoHyeon OTF" panose="020B0600000101010101" pitchFamily="34" charset="-127"/>
                 <a:ea typeface="BM DoHyeon OTF" panose="020B0600000101010101" pitchFamily="34" charset="-127"/>
@@ -7037,11 +7600,9 @@
               <a:t> </a:t>
             </a:r>
             <a:r>
-              <a:rPr kumimoji="1" lang="en-US" altLang="ko-KR" sz="2000" dirty="0">
-                <a:solidFill>
-                  <a:schemeClr val="accent6">
-                    <a:lumMod val="75000"/>
-                  </a:schemeClr>
+              <a:rPr kumimoji="1" lang="en-US" altLang="ko-KR" sz="1400" dirty="0">
+                <a:solidFill>
+                  <a:schemeClr val="bg1"/>
                 </a:solidFill>
                 <a:latin typeface="BM DoHyeon OTF" panose="020B0600000101010101" pitchFamily="34" charset="-127"/>
                 <a:ea typeface="BM DoHyeon OTF" panose="020B0600000101010101" pitchFamily="34" charset="-127"/>
@@ -7049,22 +7610,18 @@
               <a:t>50</a:t>
             </a:r>
             <a:r>
-              <a:rPr kumimoji="1" lang="ko-KR" altLang="en-US" sz="2000" dirty="0">
-                <a:solidFill>
-                  <a:schemeClr val="accent6">
-                    <a:lumMod val="75000"/>
-                  </a:schemeClr>
+              <a:rPr kumimoji="1" lang="ko-KR" altLang="en-US" sz="1400" dirty="0">
+                <a:solidFill>
+                  <a:schemeClr val="bg1"/>
                 </a:solidFill>
                 <a:latin typeface="BM DoHyeon OTF" panose="020B0600000101010101" pitchFamily="34" charset="-127"/>
                 <a:ea typeface="BM DoHyeon OTF" panose="020B0600000101010101" pitchFamily="34" charset="-127"/>
               </a:rPr>
               <a:t>대 여성</a:t>
             </a:r>
-            <a:endParaRPr kumimoji="1" lang="en-US" altLang="ko-KR" sz="2000" dirty="0">
+            <a:endParaRPr kumimoji="1" lang="en-US" altLang="ko-KR" sz="1400" dirty="0">
               <a:solidFill>
-                <a:schemeClr val="accent6">
-                  <a:lumMod val="75000"/>
-                </a:schemeClr>
+                <a:schemeClr val="bg1"/>
               </a:solidFill>
               <a:latin typeface="BM DoHyeon OTF" panose="020B0600000101010101" pitchFamily="34" charset="-127"/>
               <a:ea typeface="BM DoHyeon OTF" panose="020B0600000101010101" pitchFamily="34" charset="-127"/>
@@ -7139,10 +7696,983 @@
           </a:p>
         </p:txBody>
       </p:sp>
+      <p:cxnSp>
+        <p:nvCxnSpPr>
+          <p:cNvPr id="10" name="직선 연결선[R] 9">
+            <a:extLst>
+              <a:ext uri="{FF2B5EF4-FFF2-40B4-BE49-F238E27FC236}">
+                <a16:creationId xmlns:a16="http://schemas.microsoft.com/office/drawing/2014/main" id="{F495ECE0-80AB-9D41-C5CD-3DBE0A00900B}"/>
+              </a:ext>
+            </a:extLst>
+          </p:cNvPr>
+          <p:cNvCxnSpPr>
+            <a:cxnSpLocks/>
+          </p:cNvCxnSpPr>
+          <p:nvPr/>
+        </p:nvCxnSpPr>
+        <p:spPr>
+          <a:xfrm>
+            <a:off x="5947887" y="2306079"/>
+            <a:ext cx="2121292" cy="0"/>
+          </a:xfrm>
+          <a:prstGeom prst="line">
+            <a:avLst/>
+          </a:prstGeom>
+          <a:ln w="25400">
+            <a:solidFill>
+              <a:schemeClr val="bg1"/>
+            </a:solidFill>
+          </a:ln>
+        </p:spPr>
+        <p:style>
+          <a:lnRef idx="1">
+            <a:schemeClr val="accent1"/>
+          </a:lnRef>
+          <a:fillRef idx="0">
+            <a:schemeClr val="accent1"/>
+          </a:fillRef>
+          <a:effectRef idx="0">
+            <a:schemeClr val="accent1"/>
+          </a:effectRef>
+          <a:fontRef idx="minor">
+            <a:schemeClr val="tx1"/>
+          </a:fontRef>
+        </p:style>
+      </p:cxnSp>
+      <p:cxnSp>
+        <p:nvCxnSpPr>
+          <p:cNvPr id="27" name="직선 연결선[R] 26">
+            <a:extLst>
+              <a:ext uri="{FF2B5EF4-FFF2-40B4-BE49-F238E27FC236}">
+                <a16:creationId xmlns:a16="http://schemas.microsoft.com/office/drawing/2014/main" id="{9B3D0A6B-E072-6207-0AEA-7AC5D5BF3808}"/>
+              </a:ext>
+            </a:extLst>
+          </p:cNvPr>
+          <p:cNvCxnSpPr>
+            <a:cxnSpLocks/>
+          </p:cNvCxnSpPr>
+          <p:nvPr/>
+        </p:nvCxnSpPr>
+        <p:spPr>
+          <a:xfrm>
+            <a:off x="5947887" y="3027974"/>
+            <a:ext cx="2121292" cy="0"/>
+          </a:xfrm>
+          <a:prstGeom prst="line">
+            <a:avLst/>
+          </a:prstGeom>
+          <a:ln w="25400">
+            <a:solidFill>
+              <a:schemeClr val="bg1"/>
+            </a:solidFill>
+          </a:ln>
+        </p:spPr>
+        <p:style>
+          <a:lnRef idx="1">
+            <a:schemeClr val="accent1"/>
+          </a:lnRef>
+          <a:fillRef idx="0">
+            <a:schemeClr val="accent1"/>
+          </a:fillRef>
+          <a:effectRef idx="0">
+            <a:schemeClr val="accent1"/>
+          </a:effectRef>
+          <a:fontRef idx="minor">
+            <a:schemeClr val="tx1"/>
+          </a:fontRef>
+        </p:style>
+      </p:cxnSp>
+      <p:cxnSp>
+        <p:nvCxnSpPr>
+          <p:cNvPr id="29" name="직선 연결선[R] 28">
+            <a:extLst>
+              <a:ext uri="{FF2B5EF4-FFF2-40B4-BE49-F238E27FC236}">
+                <a16:creationId xmlns:a16="http://schemas.microsoft.com/office/drawing/2014/main" id="{8849C735-7F52-8BCC-8CC9-284FFCBB609D}"/>
+              </a:ext>
+            </a:extLst>
+          </p:cNvPr>
+          <p:cNvCxnSpPr>
+            <a:cxnSpLocks/>
+          </p:cNvCxnSpPr>
+          <p:nvPr/>
+        </p:nvCxnSpPr>
+        <p:spPr>
+          <a:xfrm>
+            <a:off x="5947887" y="4054669"/>
+            <a:ext cx="2121292" cy="0"/>
+          </a:xfrm>
+          <a:prstGeom prst="line">
+            <a:avLst/>
+          </a:prstGeom>
+          <a:ln w="25400">
+            <a:solidFill>
+              <a:schemeClr val="bg1"/>
+            </a:solidFill>
+          </a:ln>
+        </p:spPr>
+        <p:style>
+          <a:lnRef idx="1">
+            <a:schemeClr val="accent1"/>
+          </a:lnRef>
+          <a:fillRef idx="0">
+            <a:schemeClr val="accent1"/>
+          </a:fillRef>
+          <a:effectRef idx="0">
+            <a:schemeClr val="accent1"/>
+          </a:effectRef>
+          <a:fontRef idx="minor">
+            <a:schemeClr val="tx1"/>
+          </a:fontRef>
+        </p:style>
+      </p:cxnSp>
+      <p:cxnSp>
+        <p:nvCxnSpPr>
+          <p:cNvPr id="30" name="직선 연결선[R] 29">
+            <a:extLst>
+              <a:ext uri="{FF2B5EF4-FFF2-40B4-BE49-F238E27FC236}">
+                <a16:creationId xmlns:a16="http://schemas.microsoft.com/office/drawing/2014/main" id="{BF4C376D-A350-A6D2-57DD-33B6F6E5033C}"/>
+              </a:ext>
+            </a:extLst>
+          </p:cNvPr>
+          <p:cNvCxnSpPr>
+            <a:cxnSpLocks/>
+          </p:cNvCxnSpPr>
+          <p:nvPr/>
+        </p:nvCxnSpPr>
+        <p:spPr>
+          <a:xfrm>
+            <a:off x="5947887" y="4904901"/>
+            <a:ext cx="2121292" cy="0"/>
+          </a:xfrm>
+          <a:prstGeom prst="line">
+            <a:avLst/>
+          </a:prstGeom>
+          <a:ln w="25400">
+            <a:solidFill>
+              <a:schemeClr val="bg1"/>
+            </a:solidFill>
+          </a:ln>
+        </p:spPr>
+        <p:style>
+          <a:lnRef idx="1">
+            <a:schemeClr val="accent1"/>
+          </a:lnRef>
+          <a:fillRef idx="0">
+            <a:schemeClr val="accent1"/>
+          </a:fillRef>
+          <a:effectRef idx="0">
+            <a:schemeClr val="accent1"/>
+          </a:effectRef>
+          <a:fontRef idx="minor">
+            <a:schemeClr val="tx1"/>
+          </a:fontRef>
+        </p:style>
+      </p:cxnSp>
+      <p:sp>
+        <p:nvSpPr>
+          <p:cNvPr id="31" name="타원 30">
+            <a:extLst>
+              <a:ext uri="{FF2B5EF4-FFF2-40B4-BE49-F238E27FC236}">
+                <a16:creationId xmlns:a16="http://schemas.microsoft.com/office/drawing/2014/main" id="{AB67D65B-87C3-1029-8C13-AD1D99C1310E}"/>
+              </a:ext>
+            </a:extLst>
+          </p:cNvPr>
+          <p:cNvSpPr/>
+          <p:nvPr/>
+        </p:nvSpPr>
+        <p:spPr>
+          <a:xfrm>
+            <a:off x="7987627" y="2203010"/>
+            <a:ext cx="202010" cy="202010"/>
+          </a:xfrm>
+          <a:prstGeom prst="ellipse">
+            <a:avLst/>
+          </a:prstGeom>
+          <a:solidFill>
+            <a:schemeClr val="bg1"/>
+          </a:solidFill>
+          <a:ln>
+            <a:solidFill>
+              <a:schemeClr val="bg1"/>
+            </a:solidFill>
+          </a:ln>
+        </p:spPr>
+        <p:style>
+          <a:lnRef idx="2">
+            <a:schemeClr val="accent1">
+              <a:shade val="50000"/>
+            </a:schemeClr>
+          </a:lnRef>
+          <a:fillRef idx="1">
+            <a:schemeClr val="accent1"/>
+          </a:fillRef>
+          <a:effectRef idx="0">
+            <a:schemeClr val="accent1"/>
+          </a:effectRef>
+          <a:fontRef idx="minor">
+            <a:schemeClr val="lt1"/>
+          </a:fontRef>
+        </p:style>
+        <p:txBody>
+          <a:bodyPr rtlCol="0" anchor="ctr"/>
+          <a:lstStyle/>
+          <a:p>
+            <a:pPr algn="ctr"/>
+            <a:endParaRPr kumimoji="1" lang="ko-KR" altLang="en-US"/>
+          </a:p>
+        </p:txBody>
+      </p:sp>
+      <p:sp>
+        <p:nvSpPr>
+          <p:cNvPr id="32" name="타원 31">
+            <a:extLst>
+              <a:ext uri="{FF2B5EF4-FFF2-40B4-BE49-F238E27FC236}">
+                <a16:creationId xmlns:a16="http://schemas.microsoft.com/office/drawing/2014/main" id="{D93A8846-7C61-2FFE-54B0-3E84253DB4F9}"/>
+              </a:ext>
+            </a:extLst>
+          </p:cNvPr>
+          <p:cNvSpPr/>
+          <p:nvPr/>
+        </p:nvSpPr>
+        <p:spPr>
+          <a:xfrm>
+            <a:off x="7987627" y="2924904"/>
+            <a:ext cx="202010" cy="202010"/>
+          </a:xfrm>
+          <a:prstGeom prst="ellipse">
+            <a:avLst/>
+          </a:prstGeom>
+          <a:solidFill>
+            <a:schemeClr val="bg1"/>
+          </a:solidFill>
+          <a:ln>
+            <a:solidFill>
+              <a:schemeClr val="bg1"/>
+            </a:solidFill>
+          </a:ln>
+        </p:spPr>
+        <p:style>
+          <a:lnRef idx="2">
+            <a:schemeClr val="accent1">
+              <a:shade val="50000"/>
+            </a:schemeClr>
+          </a:lnRef>
+          <a:fillRef idx="1">
+            <a:schemeClr val="accent1"/>
+          </a:fillRef>
+          <a:effectRef idx="0">
+            <a:schemeClr val="accent1"/>
+          </a:effectRef>
+          <a:fontRef idx="minor">
+            <a:schemeClr val="lt1"/>
+          </a:fontRef>
+        </p:style>
+        <p:txBody>
+          <a:bodyPr rtlCol="0" anchor="ctr"/>
+          <a:lstStyle/>
+          <a:p>
+            <a:pPr algn="ctr"/>
+            <a:endParaRPr kumimoji="1" lang="ko-KR" altLang="en-US"/>
+          </a:p>
+        </p:txBody>
+      </p:sp>
+      <p:sp>
+        <p:nvSpPr>
+          <p:cNvPr id="33" name="타원 32">
+            <a:extLst>
+              <a:ext uri="{FF2B5EF4-FFF2-40B4-BE49-F238E27FC236}">
+                <a16:creationId xmlns:a16="http://schemas.microsoft.com/office/drawing/2014/main" id="{1180A553-0395-04B1-C82F-3A67C9735A13}"/>
+              </a:ext>
+            </a:extLst>
+          </p:cNvPr>
+          <p:cNvSpPr/>
+          <p:nvPr/>
+        </p:nvSpPr>
+        <p:spPr>
+          <a:xfrm>
+            <a:off x="7987627" y="3935557"/>
+            <a:ext cx="202010" cy="202010"/>
+          </a:xfrm>
+          <a:prstGeom prst="ellipse">
+            <a:avLst/>
+          </a:prstGeom>
+          <a:solidFill>
+            <a:schemeClr val="bg1"/>
+          </a:solidFill>
+          <a:ln>
+            <a:solidFill>
+              <a:schemeClr val="bg1"/>
+            </a:solidFill>
+          </a:ln>
+        </p:spPr>
+        <p:style>
+          <a:lnRef idx="2">
+            <a:schemeClr val="accent1">
+              <a:shade val="50000"/>
+            </a:schemeClr>
+          </a:lnRef>
+          <a:fillRef idx="1">
+            <a:schemeClr val="accent1"/>
+          </a:fillRef>
+          <a:effectRef idx="0">
+            <a:schemeClr val="accent1"/>
+          </a:effectRef>
+          <a:fontRef idx="minor">
+            <a:schemeClr val="lt1"/>
+          </a:fontRef>
+        </p:style>
+        <p:txBody>
+          <a:bodyPr rtlCol="0" anchor="ctr"/>
+          <a:lstStyle/>
+          <a:p>
+            <a:pPr algn="ctr"/>
+            <a:endParaRPr kumimoji="1" lang="ko-KR" altLang="en-US"/>
+          </a:p>
+        </p:txBody>
+      </p:sp>
+      <p:sp>
+        <p:nvSpPr>
+          <p:cNvPr id="35" name="타원 34">
+            <a:extLst>
+              <a:ext uri="{FF2B5EF4-FFF2-40B4-BE49-F238E27FC236}">
+                <a16:creationId xmlns:a16="http://schemas.microsoft.com/office/drawing/2014/main" id="{7C593FBD-AE3A-1FC3-56DE-8D48669FBCCE}"/>
+              </a:ext>
+            </a:extLst>
+          </p:cNvPr>
+          <p:cNvSpPr/>
+          <p:nvPr/>
+        </p:nvSpPr>
+        <p:spPr>
+          <a:xfrm>
+            <a:off x="7987627" y="4833915"/>
+            <a:ext cx="202010" cy="202010"/>
+          </a:xfrm>
+          <a:prstGeom prst="ellipse">
+            <a:avLst/>
+          </a:prstGeom>
+          <a:solidFill>
+            <a:schemeClr val="bg1"/>
+          </a:solidFill>
+          <a:ln>
+            <a:solidFill>
+              <a:schemeClr val="bg1"/>
+            </a:solidFill>
+          </a:ln>
+        </p:spPr>
+        <p:style>
+          <a:lnRef idx="2">
+            <a:schemeClr val="accent1">
+              <a:shade val="50000"/>
+            </a:schemeClr>
+          </a:lnRef>
+          <a:fillRef idx="1">
+            <a:schemeClr val="accent1"/>
+          </a:fillRef>
+          <a:effectRef idx="0">
+            <a:schemeClr val="accent1"/>
+          </a:effectRef>
+          <a:fontRef idx="minor">
+            <a:schemeClr val="lt1"/>
+          </a:fontRef>
+        </p:style>
+        <p:txBody>
+          <a:bodyPr rtlCol="0" anchor="ctr"/>
+          <a:lstStyle/>
+          <a:p>
+            <a:pPr algn="ctr"/>
+            <a:endParaRPr kumimoji="1" lang="ko-KR" altLang="en-US"/>
+          </a:p>
+        </p:txBody>
+      </p:sp>
     </p:spTree>
     <p:extLst>
       <p:ext uri="{BB962C8B-B14F-4D97-AF65-F5344CB8AC3E}">
         <p14:creationId xmlns:p14="http://schemas.microsoft.com/office/powerpoint/2010/main" val="1853522746"/>
+      </p:ext>
+    </p:extLst>
+  </p:cSld>
+  <p:clrMapOvr>
+    <a:masterClrMapping/>
+  </p:clrMapOvr>
+</p:sld>
+</file>
+
+<file path=ppt/slides/slide6.xml><?xml version="1.0" encoding="utf-8"?>
+<p:sld xmlns:a="http://schemas.openxmlformats.org/drawingml/2006/main" xmlns:r="http://schemas.openxmlformats.org/officeDocument/2006/relationships" xmlns:p="http://schemas.openxmlformats.org/presentationml/2006/main">
+  <p:cSld>
+    <p:spTree>
+      <p:nvGrpSpPr>
+        <p:cNvPr id="1" name=""/>
+        <p:cNvGrpSpPr/>
+        <p:nvPr/>
+      </p:nvGrpSpPr>
+      <p:grpSpPr>
+        <a:xfrm>
+          <a:off x="0" y="0"/>
+          <a:ext cx="0" cy="0"/>
+          <a:chOff x="0" y="0"/>
+          <a:chExt cx="0" cy="0"/>
+        </a:xfrm>
+      </p:grpSpPr>
+      <p:sp>
+        <p:nvSpPr>
+          <p:cNvPr id="4" name="직사각형 3">
+            <a:extLst>
+              <a:ext uri="{FF2B5EF4-FFF2-40B4-BE49-F238E27FC236}">
+                <a16:creationId xmlns:a16="http://schemas.microsoft.com/office/drawing/2014/main" id="{8763674C-2650-A713-C2A3-7CB76D80B987}"/>
+              </a:ext>
+            </a:extLst>
+          </p:cNvPr>
+          <p:cNvSpPr/>
+          <p:nvPr/>
+        </p:nvSpPr>
+        <p:spPr>
+          <a:xfrm>
+            <a:off x="-128588" y="-171450"/>
+            <a:ext cx="12430126" cy="7158038"/>
+          </a:xfrm>
+          <a:prstGeom prst="rect">
+            <a:avLst/>
+          </a:prstGeom>
+          <a:solidFill>
+            <a:schemeClr val="accent6">
+              <a:lumMod val="20000"/>
+              <a:lumOff val="80000"/>
+            </a:schemeClr>
+          </a:solidFill>
+          <a:ln>
+            <a:noFill/>
+          </a:ln>
+        </p:spPr>
+        <p:style>
+          <a:lnRef idx="2">
+            <a:schemeClr val="dk1">
+              <a:shade val="50000"/>
+            </a:schemeClr>
+          </a:lnRef>
+          <a:fillRef idx="1">
+            <a:schemeClr val="dk1"/>
+          </a:fillRef>
+          <a:effectRef idx="0">
+            <a:schemeClr val="dk1"/>
+          </a:effectRef>
+          <a:fontRef idx="minor">
+            <a:schemeClr val="lt1"/>
+          </a:fontRef>
+        </p:style>
+        <p:txBody>
+          <a:bodyPr rtlCol="0" anchor="ctr"/>
+          <a:lstStyle/>
+          <a:p>
+            <a:pPr algn="ctr"/>
+            <a:endParaRPr kumimoji="1" lang="ko-KR" altLang="en-US" dirty="0"/>
+          </a:p>
+        </p:txBody>
+      </p:sp>
+      <p:sp>
+        <p:nvSpPr>
+          <p:cNvPr id="5" name="TextBox 4">
+            <a:extLst>
+              <a:ext uri="{FF2B5EF4-FFF2-40B4-BE49-F238E27FC236}">
+                <a16:creationId xmlns:a16="http://schemas.microsoft.com/office/drawing/2014/main" id="{C2CAFB0A-0442-C73C-E843-A88A178E7274}"/>
+              </a:ext>
+            </a:extLst>
+          </p:cNvPr>
+          <p:cNvSpPr txBox="1"/>
+          <p:nvPr/>
+        </p:nvSpPr>
+        <p:spPr>
+          <a:xfrm>
+            <a:off x="379294" y="271628"/>
+            <a:ext cx="3817071" cy="677108"/>
+          </a:xfrm>
+          <a:prstGeom prst="rect">
+            <a:avLst/>
+          </a:prstGeom>
+          <a:noFill/>
+        </p:spPr>
+        <p:txBody>
+          <a:bodyPr wrap="none" rtlCol="0">
+            <a:spAutoFit/>
+          </a:bodyPr>
+          <a:lstStyle/>
+          <a:p>
+            <a:r>
+              <a:rPr kumimoji="1" lang="en-US" altLang="ko-KR" sz="3800" b="1" dirty="0">
+                <a:solidFill>
+                  <a:schemeClr val="accent6">
+                    <a:lumMod val="75000"/>
+                  </a:schemeClr>
+                </a:solidFill>
+                <a:latin typeface="BM DoHyeon OTF" panose="020B0600000101010101" pitchFamily="34" charset="-127"/>
+                <a:ea typeface="BM DoHyeon OTF" panose="020B0600000101010101" pitchFamily="34" charset="-127"/>
+              </a:rPr>
+              <a:t>CONCLUSTION</a:t>
+            </a:r>
+            <a:endParaRPr kumimoji="1" lang="ko-KR" altLang="en-US" sz="3800" b="1" dirty="0">
+              <a:solidFill>
+                <a:schemeClr val="accent6">
+                  <a:lumMod val="75000"/>
+                </a:schemeClr>
+              </a:solidFill>
+              <a:latin typeface="BM DoHyeon OTF" panose="020B0600000101010101" pitchFamily="34" charset="-127"/>
+              <a:ea typeface="BM DoHyeon OTF" panose="020B0600000101010101" pitchFamily="34" charset="-127"/>
+            </a:endParaRPr>
+          </a:p>
+        </p:txBody>
+      </p:sp>
+      <p:cxnSp>
+        <p:nvCxnSpPr>
+          <p:cNvPr id="8" name="직선 연결선[R] 7">
+            <a:extLst>
+              <a:ext uri="{FF2B5EF4-FFF2-40B4-BE49-F238E27FC236}">
+                <a16:creationId xmlns:a16="http://schemas.microsoft.com/office/drawing/2014/main" id="{CA171FCB-DE4E-4EA8-24E6-7165CB58FA22}"/>
+              </a:ext>
+            </a:extLst>
+          </p:cNvPr>
+          <p:cNvCxnSpPr/>
+          <p:nvPr/>
+        </p:nvCxnSpPr>
+        <p:spPr>
+          <a:xfrm>
+            <a:off x="509107" y="1008728"/>
+            <a:ext cx="3486912" cy="0"/>
+          </a:xfrm>
+          <a:prstGeom prst="line">
+            <a:avLst/>
+          </a:prstGeom>
+          <a:ln>
+            <a:solidFill>
+              <a:schemeClr val="tx1"/>
+            </a:solidFill>
+          </a:ln>
+        </p:spPr>
+        <p:style>
+          <a:lnRef idx="1">
+            <a:schemeClr val="accent1"/>
+          </a:lnRef>
+          <a:fillRef idx="0">
+            <a:schemeClr val="accent1"/>
+          </a:fillRef>
+          <a:effectRef idx="0">
+            <a:schemeClr val="accent1"/>
+          </a:effectRef>
+          <a:fontRef idx="minor">
+            <a:schemeClr val="tx1"/>
+          </a:fontRef>
+        </p:style>
+      </p:cxnSp>
+      <p:sp>
+        <p:nvSpPr>
+          <p:cNvPr id="19" name="TextBox 18">
+            <a:extLst>
+              <a:ext uri="{FF2B5EF4-FFF2-40B4-BE49-F238E27FC236}">
+                <a16:creationId xmlns:a16="http://schemas.microsoft.com/office/drawing/2014/main" id="{C297C562-A98B-2FE0-A19A-D146C0F59431}"/>
+              </a:ext>
+            </a:extLst>
+          </p:cNvPr>
+          <p:cNvSpPr txBox="1"/>
+          <p:nvPr/>
+        </p:nvSpPr>
+        <p:spPr>
+          <a:xfrm>
+            <a:off x="4197616" y="471205"/>
+            <a:ext cx="1414170" cy="400110"/>
+          </a:xfrm>
+          <a:prstGeom prst="rect">
+            <a:avLst/>
+          </a:prstGeom>
+          <a:noFill/>
+        </p:spPr>
+        <p:txBody>
+          <a:bodyPr wrap="none" rtlCol="0">
+            <a:spAutoFit/>
+          </a:bodyPr>
+          <a:lstStyle/>
+          <a:p>
+            <a:r>
+              <a:rPr kumimoji="1" lang="en-US" altLang="ko-KR" sz="2000" dirty="0">
+                <a:solidFill>
+                  <a:schemeClr val="accent6">
+                    <a:lumMod val="75000"/>
+                  </a:schemeClr>
+                </a:solidFill>
+                <a:latin typeface="BM DoHyeon OTF" panose="020B0600000101010101" pitchFamily="34" charset="-127"/>
+                <a:ea typeface="BM DoHyeon OTF" panose="020B0600000101010101" pitchFamily="34" charset="-127"/>
+              </a:rPr>
+              <a:t>(</a:t>
+            </a:r>
+            <a:r>
+              <a:rPr kumimoji="1" lang="ko-KR" altLang="en-US" sz="2000" dirty="0">
+                <a:solidFill>
+                  <a:schemeClr val="accent6">
+                    <a:lumMod val="75000"/>
+                  </a:schemeClr>
+                </a:solidFill>
+                <a:latin typeface="BM DoHyeon OTF" panose="020B0600000101010101" pitchFamily="34" charset="-127"/>
+                <a:ea typeface="BM DoHyeon OTF" panose="020B0600000101010101" pitchFamily="34" charset="-127"/>
+              </a:rPr>
+              <a:t>서울 기준</a:t>
+            </a:r>
+            <a:r>
+              <a:rPr kumimoji="1" lang="en-US" altLang="ko-KR" sz="2000" dirty="0">
+                <a:solidFill>
+                  <a:schemeClr val="accent6">
+                    <a:lumMod val="75000"/>
+                  </a:schemeClr>
+                </a:solidFill>
+                <a:latin typeface="BM DoHyeon OTF" panose="020B0600000101010101" pitchFamily="34" charset="-127"/>
+                <a:ea typeface="BM DoHyeon OTF" panose="020B0600000101010101" pitchFamily="34" charset="-127"/>
+              </a:rPr>
+              <a:t>)</a:t>
+            </a:r>
+          </a:p>
+        </p:txBody>
+      </p:sp>
+      <p:sp>
+        <p:nvSpPr>
+          <p:cNvPr id="3" name="TextBox 2">
+            <a:extLst>
+              <a:ext uri="{FF2B5EF4-FFF2-40B4-BE49-F238E27FC236}">
+                <a16:creationId xmlns:a16="http://schemas.microsoft.com/office/drawing/2014/main" id="{48D526CB-3809-6F2C-B882-82D6AE07EE7E}"/>
+              </a:ext>
+            </a:extLst>
+          </p:cNvPr>
+          <p:cNvSpPr txBox="1"/>
+          <p:nvPr/>
+        </p:nvSpPr>
+        <p:spPr>
+          <a:xfrm>
+            <a:off x="509107" y="1305507"/>
+            <a:ext cx="11427695" cy="600164"/>
+          </a:xfrm>
+          <a:prstGeom prst="rect">
+            <a:avLst/>
+          </a:prstGeom>
+          <a:noFill/>
+        </p:spPr>
+        <p:txBody>
+          <a:bodyPr wrap="square">
+            <a:spAutoFit/>
+          </a:bodyPr>
+          <a:lstStyle/>
+          <a:p>
+            <a:pPr>
+              <a:lnSpc>
+                <a:spcPct val="150000"/>
+              </a:lnSpc>
+            </a:pPr>
+            <a:r>
+              <a:rPr kumimoji="1" lang="en-US" altLang="ko-KR" sz="2400" dirty="0">
+                <a:solidFill>
+                  <a:schemeClr val="accent6">
+                    <a:lumMod val="75000"/>
+                  </a:schemeClr>
+                </a:solidFill>
+                <a:latin typeface="BM DoHyeon OTF" panose="020B0600000101010101" pitchFamily="34" charset="-127"/>
+                <a:ea typeface="BM DoHyeon OTF" panose="020B0600000101010101" pitchFamily="34" charset="-127"/>
+              </a:rPr>
+              <a:t>Q . </a:t>
+            </a:r>
+            <a:r>
+              <a:rPr kumimoji="1" lang="ko-KR" altLang="en-US" sz="2400" dirty="0">
+                <a:solidFill>
+                  <a:schemeClr val="accent6">
+                    <a:lumMod val="75000"/>
+                  </a:schemeClr>
+                </a:solidFill>
+                <a:latin typeface="BM DoHyeon OTF" panose="020B0600000101010101" pitchFamily="34" charset="-127"/>
+                <a:ea typeface="BM DoHyeon OTF" panose="020B0600000101010101" pitchFamily="34" charset="-127"/>
+              </a:rPr>
+              <a:t>현재 음식점 창업을 위해 어떤 업종을 잡고</a:t>
+            </a:r>
+            <a:r>
+              <a:rPr kumimoji="1" lang="en-US" altLang="ko-KR" sz="2400" dirty="0">
+                <a:solidFill>
+                  <a:schemeClr val="accent6">
+                    <a:lumMod val="75000"/>
+                  </a:schemeClr>
+                </a:solidFill>
+                <a:latin typeface="BM DoHyeon OTF" panose="020B0600000101010101" pitchFamily="34" charset="-127"/>
+                <a:ea typeface="BM DoHyeon OTF" panose="020B0600000101010101" pitchFamily="34" charset="-127"/>
+              </a:rPr>
+              <a:t> </a:t>
+            </a:r>
+            <a:r>
+              <a:rPr kumimoji="1" lang="ko-KR" altLang="en-US" sz="2400" dirty="0">
+                <a:solidFill>
+                  <a:schemeClr val="accent6">
+                    <a:lumMod val="75000"/>
+                  </a:schemeClr>
+                </a:solidFill>
+                <a:latin typeface="BM DoHyeon OTF" panose="020B0600000101010101" pitchFamily="34" charset="-127"/>
+                <a:ea typeface="BM DoHyeon OTF" panose="020B0600000101010101" pitchFamily="34" charset="-127"/>
+              </a:rPr>
+              <a:t>주 타겟층을 어떻게 잡으면 되는가</a:t>
+            </a:r>
+            <a:r>
+              <a:rPr kumimoji="1" lang="en-US" altLang="ko-KR" sz="2400" dirty="0">
+                <a:solidFill>
+                  <a:schemeClr val="accent6">
+                    <a:lumMod val="75000"/>
+                  </a:schemeClr>
+                </a:solidFill>
+                <a:latin typeface="BM DoHyeon OTF" panose="020B0600000101010101" pitchFamily="34" charset="-127"/>
+                <a:ea typeface="BM DoHyeon OTF" panose="020B0600000101010101" pitchFamily="34" charset="-127"/>
+              </a:rPr>
+              <a:t>?</a:t>
+            </a:r>
+          </a:p>
+        </p:txBody>
+      </p:sp>
+      <p:sp>
+        <p:nvSpPr>
+          <p:cNvPr id="11" name="TextBox 10">
+            <a:extLst>
+              <a:ext uri="{FF2B5EF4-FFF2-40B4-BE49-F238E27FC236}">
+                <a16:creationId xmlns:a16="http://schemas.microsoft.com/office/drawing/2014/main" id="{4AE734BC-1E9A-2640-15C5-7408C48E4865}"/>
+              </a:ext>
+            </a:extLst>
+          </p:cNvPr>
+          <p:cNvSpPr txBox="1"/>
+          <p:nvPr/>
+        </p:nvSpPr>
+        <p:spPr>
+          <a:xfrm>
+            <a:off x="7551591" y="6076020"/>
+            <a:ext cx="2410556" cy="600164"/>
+          </a:xfrm>
+          <a:prstGeom prst="rect">
+            <a:avLst/>
+          </a:prstGeom>
+          <a:noFill/>
+        </p:spPr>
+        <p:txBody>
+          <a:bodyPr wrap="square">
+            <a:spAutoFit/>
+          </a:bodyPr>
+          <a:lstStyle/>
+          <a:p>
+            <a:pPr>
+              <a:lnSpc>
+                <a:spcPct val="150000"/>
+              </a:lnSpc>
+            </a:pPr>
+            <a:r>
+              <a:rPr kumimoji="1" lang="en-US" altLang="ko-KR" sz="2400" dirty="0">
+                <a:solidFill>
+                  <a:schemeClr val="accent6">
+                    <a:lumMod val="75000"/>
+                  </a:schemeClr>
+                </a:solidFill>
+                <a:latin typeface="BM DoHyeon OTF" panose="020B0600000101010101" pitchFamily="34" charset="-127"/>
+                <a:ea typeface="BM DoHyeon OTF" panose="020B0600000101010101" pitchFamily="34" charset="-127"/>
+              </a:rPr>
+              <a:t>50</a:t>
+            </a:r>
+            <a:r>
+              <a:rPr kumimoji="1" lang="ko-KR" altLang="en-US" sz="2400" dirty="0">
+                <a:solidFill>
+                  <a:schemeClr val="accent6">
+                    <a:lumMod val="75000"/>
+                  </a:schemeClr>
+                </a:solidFill>
+                <a:latin typeface="BM DoHyeon OTF" panose="020B0600000101010101" pitchFamily="34" charset="-127"/>
+                <a:ea typeface="BM DoHyeon OTF" panose="020B0600000101010101" pitchFamily="34" charset="-127"/>
+              </a:rPr>
+              <a:t>대 여성</a:t>
+            </a:r>
+            <a:endParaRPr kumimoji="1" lang="en-US" altLang="ko-KR" sz="2400" dirty="0">
+              <a:solidFill>
+                <a:schemeClr val="accent6">
+                  <a:lumMod val="75000"/>
+                </a:schemeClr>
+              </a:solidFill>
+              <a:latin typeface="BM DoHyeon OTF" panose="020B0600000101010101" pitchFamily="34" charset="-127"/>
+              <a:ea typeface="BM DoHyeon OTF" panose="020B0600000101010101" pitchFamily="34" charset="-127"/>
+            </a:endParaRPr>
+          </a:p>
+        </p:txBody>
+      </p:sp>
+      <p:sp>
+        <p:nvSpPr>
+          <p:cNvPr id="13" name="TextBox 12">
+            <a:extLst>
+              <a:ext uri="{FF2B5EF4-FFF2-40B4-BE49-F238E27FC236}">
+                <a16:creationId xmlns:a16="http://schemas.microsoft.com/office/drawing/2014/main" id="{3ED0EF51-93BA-86F3-A8FC-1795FCF09D15}"/>
+              </a:ext>
+            </a:extLst>
+          </p:cNvPr>
+          <p:cNvSpPr txBox="1"/>
+          <p:nvPr/>
+        </p:nvSpPr>
+        <p:spPr>
+          <a:xfrm>
+            <a:off x="2366086" y="6076020"/>
+            <a:ext cx="2410556" cy="600164"/>
+          </a:xfrm>
+          <a:prstGeom prst="rect">
+            <a:avLst/>
+          </a:prstGeom>
+          <a:noFill/>
+        </p:spPr>
+        <p:txBody>
+          <a:bodyPr wrap="square">
+            <a:spAutoFit/>
+          </a:bodyPr>
+          <a:lstStyle/>
+          <a:p>
+            <a:pPr algn="ctr">
+              <a:lnSpc>
+                <a:spcPct val="150000"/>
+              </a:lnSpc>
+            </a:pPr>
+            <a:r>
+              <a:rPr kumimoji="1" lang="ko-KR" altLang="en-US" sz="2400" dirty="0">
+                <a:solidFill>
+                  <a:schemeClr val="accent6">
+                    <a:lumMod val="75000"/>
+                  </a:schemeClr>
+                </a:solidFill>
+                <a:latin typeface="BM DoHyeon OTF" panose="020B0600000101010101" pitchFamily="34" charset="-127"/>
+                <a:ea typeface="BM DoHyeon OTF" panose="020B0600000101010101" pitchFamily="34" charset="-127"/>
+              </a:rPr>
+              <a:t>카페</a:t>
+            </a:r>
+            <a:r>
+              <a:rPr kumimoji="1" lang="en-US" altLang="ko-KR" sz="2400" dirty="0">
+                <a:solidFill>
+                  <a:schemeClr val="accent6">
+                    <a:lumMod val="75000"/>
+                  </a:schemeClr>
+                </a:solidFill>
+                <a:latin typeface="BM DoHyeon OTF" panose="020B0600000101010101" pitchFamily="34" charset="-127"/>
+                <a:ea typeface="BM DoHyeon OTF" panose="020B0600000101010101" pitchFamily="34" charset="-127"/>
+              </a:rPr>
+              <a:t>,</a:t>
+            </a:r>
+            <a:r>
+              <a:rPr kumimoji="1" lang="ko-KR" altLang="en-US" sz="2400" dirty="0">
+                <a:solidFill>
+                  <a:schemeClr val="accent6">
+                    <a:lumMod val="75000"/>
+                  </a:schemeClr>
+                </a:solidFill>
+                <a:latin typeface="BM DoHyeon OTF" panose="020B0600000101010101" pitchFamily="34" charset="-127"/>
+                <a:ea typeface="BM DoHyeon OTF" panose="020B0600000101010101" pitchFamily="34" charset="-127"/>
+              </a:rPr>
+              <a:t> 디저트</a:t>
+            </a:r>
+            <a:endParaRPr kumimoji="1" lang="en-US" altLang="ko-KR" sz="2400" dirty="0">
+              <a:solidFill>
+                <a:schemeClr val="accent6">
+                  <a:lumMod val="75000"/>
+                </a:schemeClr>
+              </a:solidFill>
+              <a:latin typeface="BM DoHyeon OTF" panose="020B0600000101010101" pitchFamily="34" charset="-127"/>
+              <a:ea typeface="BM DoHyeon OTF" panose="020B0600000101010101" pitchFamily="34" charset="-127"/>
+            </a:endParaRPr>
+          </a:p>
+        </p:txBody>
+      </p:sp>
+      <p:pic>
+        <p:nvPicPr>
+          <p:cNvPr id="1026" name="Picture 2" descr="예쁜 디저트 맛집 베스트 30곳 | 맛집검색 망고플레이트">
+            <a:extLst>
+              <a:ext uri="{FF2B5EF4-FFF2-40B4-BE49-F238E27FC236}">
+                <a16:creationId xmlns:a16="http://schemas.microsoft.com/office/drawing/2014/main" id="{05D29348-3848-E5DC-4743-96F4479EDD8A}"/>
+              </a:ext>
+            </a:extLst>
+          </p:cNvPr>
+          <p:cNvPicPr>
+            <a:picLocks noChangeAspect="1" noChangeArrowheads="1"/>
+          </p:cNvPicPr>
+          <p:nvPr/>
+        </p:nvPicPr>
+        <p:blipFill>
+          <a:blip r:embed="rId3">
+            <a:extLst>
+              <a:ext uri="{28A0092B-C50C-407E-A947-70E740481C1C}">
+                <a14:useLocalDpi xmlns:a14="http://schemas.microsoft.com/office/drawing/2010/main" val="0"/>
+              </a:ext>
+            </a:extLst>
+          </a:blip>
+          <a:srcRect/>
+          <a:stretch>
+            <a:fillRect/>
+          </a:stretch>
+        </p:blipFill>
+        <p:spPr bwMode="auto">
+          <a:xfrm>
+            <a:off x="1765691" y="2293981"/>
+            <a:ext cx="3621505" cy="3621505"/>
+          </a:xfrm>
+          <a:prstGeom prst="rect">
+            <a:avLst/>
+          </a:prstGeom>
+          <a:noFill/>
+          <a:extLst>
+            <a:ext uri="{909E8E84-426E-40DD-AFC4-6F175D3DCCD1}">
+              <a14:hiddenFill xmlns:a14="http://schemas.microsoft.com/office/drawing/2010/main">
+                <a:solidFill>
+                  <a:srgbClr val="FFFFFF"/>
+                </a:solidFill>
+              </a14:hiddenFill>
+            </a:ext>
+          </a:extLst>
+        </p:spPr>
+      </p:pic>
+      <p:pic>
+        <p:nvPicPr>
+          <p:cNvPr id="1028" name="Picture 4">
+            <a:extLst>
+              <a:ext uri="{FF2B5EF4-FFF2-40B4-BE49-F238E27FC236}">
+                <a16:creationId xmlns:a16="http://schemas.microsoft.com/office/drawing/2014/main" id="{51DA1DB9-F57C-3B91-86ED-8DBEDA59F02F}"/>
+              </a:ext>
+            </a:extLst>
+          </p:cNvPr>
+          <p:cNvPicPr>
+            <a:picLocks noChangeAspect="1" noChangeArrowheads="1"/>
+          </p:cNvPicPr>
+          <p:nvPr/>
+        </p:nvPicPr>
+        <p:blipFill>
+          <a:blip r:embed="rId4">
+            <a:extLst>
+              <a:ext uri="{28A0092B-C50C-407E-A947-70E740481C1C}">
+                <a14:useLocalDpi xmlns:a14="http://schemas.microsoft.com/office/drawing/2010/main" val="0"/>
+              </a:ext>
+            </a:extLst>
+          </a:blip>
+          <a:srcRect/>
+          <a:stretch>
+            <a:fillRect/>
+          </a:stretch>
+        </p:blipFill>
+        <p:spPr bwMode="auto">
+          <a:xfrm>
+            <a:off x="5861885" y="2293981"/>
+            <a:ext cx="4828675" cy="3621506"/>
+          </a:xfrm>
+          <a:prstGeom prst="rect">
+            <a:avLst/>
+          </a:prstGeom>
+          <a:noFill/>
+          <a:extLst>
+            <a:ext uri="{909E8E84-426E-40DD-AFC4-6F175D3DCCD1}">
+              <a14:hiddenFill xmlns:a14="http://schemas.microsoft.com/office/drawing/2010/main">
+                <a:solidFill>
+                  <a:srgbClr val="FFFFFF"/>
+                </a:solidFill>
+              </a14:hiddenFill>
+            </a:ext>
+          </a:extLst>
+        </p:spPr>
+      </p:pic>
+    </p:spTree>
+    <p:extLst>
+      <p:ext uri="{BB962C8B-B14F-4D97-AF65-F5344CB8AC3E}">
+        <p14:creationId xmlns:p14="http://schemas.microsoft.com/office/powerpoint/2010/main" val="2138943031"/>
       </p:ext>
     </p:extLst>
   </p:cSld>
